--- a/智能快递柜ppt.pptx
+++ b/智能快递柜ppt.pptx
@@ -238,7 +238,7 @@
           <a:p>
             <a:fld id="{83AE493A-86E4-C24E-9ECF-1B5B8FD987C3}" type="datetimeFigureOut">
               <a:rPr lang="en-US" smtClean="0"/>
-              <a:t>11/8/19</a:t>
+              <a:t>11/16/19</a:t>
             </a:fld>
             <a:endParaRPr lang="en-US"/>
           </a:p>
@@ -8697,7 +8697,7 @@
           <a:p>
             <a:fld id="{FFD27042-4C98-2A4F-9022-1C23C1C0EFF2}" type="datetimeFigureOut">
               <a:rPr lang="en-US" smtClean="0"/>
-              <a:t>11/8/19</a:t>
+              <a:t>11/16/19</a:t>
             </a:fld>
             <a:endParaRPr lang="en-US"/>
           </a:p>
@@ -8867,7 +8867,7 @@
           <a:p>
             <a:fld id="{FFD27042-4C98-2A4F-9022-1C23C1C0EFF2}" type="datetimeFigureOut">
               <a:rPr lang="en-US" smtClean="0"/>
-              <a:t>11/8/19</a:t>
+              <a:t>11/16/19</a:t>
             </a:fld>
             <a:endParaRPr lang="en-US"/>
           </a:p>
@@ -9047,7 +9047,7 @@
           <a:p>
             <a:fld id="{FFD27042-4C98-2A4F-9022-1C23C1C0EFF2}" type="datetimeFigureOut">
               <a:rPr lang="en-US" smtClean="0"/>
-              <a:t>11/8/19</a:t>
+              <a:t>11/16/19</a:t>
             </a:fld>
             <a:endParaRPr lang="en-US"/>
           </a:p>
@@ -9217,7 +9217,7 @@
           <a:p>
             <a:fld id="{FFD27042-4C98-2A4F-9022-1C23C1C0EFF2}" type="datetimeFigureOut">
               <a:rPr lang="en-US" smtClean="0"/>
-              <a:t>11/8/19</a:t>
+              <a:t>11/16/19</a:t>
             </a:fld>
             <a:endParaRPr lang="en-US"/>
           </a:p>
@@ -9463,7 +9463,7 @@
           <a:p>
             <a:fld id="{FFD27042-4C98-2A4F-9022-1C23C1C0EFF2}" type="datetimeFigureOut">
               <a:rPr lang="en-US" smtClean="0"/>
-              <a:t>11/8/19</a:t>
+              <a:t>11/16/19</a:t>
             </a:fld>
             <a:endParaRPr lang="en-US"/>
           </a:p>
@@ -9695,7 +9695,7 @@
           <a:p>
             <a:fld id="{FFD27042-4C98-2A4F-9022-1C23C1C0EFF2}" type="datetimeFigureOut">
               <a:rPr lang="en-US" smtClean="0"/>
-              <a:t>11/8/19</a:t>
+              <a:t>11/16/19</a:t>
             </a:fld>
             <a:endParaRPr lang="en-US"/>
           </a:p>
@@ -10062,7 +10062,7 @@
           <a:p>
             <a:fld id="{FFD27042-4C98-2A4F-9022-1C23C1C0EFF2}" type="datetimeFigureOut">
               <a:rPr lang="en-US" smtClean="0"/>
-              <a:t>11/8/19</a:t>
+              <a:t>11/16/19</a:t>
             </a:fld>
             <a:endParaRPr lang="en-US"/>
           </a:p>
@@ -10180,7 +10180,7 @@
           <a:p>
             <a:fld id="{FFD27042-4C98-2A4F-9022-1C23C1C0EFF2}" type="datetimeFigureOut">
               <a:rPr lang="en-US" smtClean="0"/>
-              <a:t>11/8/19</a:t>
+              <a:t>11/16/19</a:t>
             </a:fld>
             <a:endParaRPr lang="en-US"/>
           </a:p>
@@ -10275,7 +10275,7 @@
           <a:p>
             <a:fld id="{FFD27042-4C98-2A4F-9022-1C23C1C0EFF2}" type="datetimeFigureOut">
               <a:rPr lang="en-US" smtClean="0"/>
-              <a:t>11/8/19</a:t>
+              <a:t>11/16/19</a:t>
             </a:fld>
             <a:endParaRPr lang="en-US"/>
           </a:p>
@@ -10552,7 +10552,7 @@
           <a:p>
             <a:fld id="{FFD27042-4C98-2A4F-9022-1C23C1C0EFF2}" type="datetimeFigureOut">
               <a:rPr lang="en-US" smtClean="0"/>
-              <a:t>11/8/19</a:t>
+              <a:t>11/16/19</a:t>
             </a:fld>
             <a:endParaRPr lang="en-US"/>
           </a:p>
@@ -10809,7 +10809,7 @@
           <a:p>
             <a:fld id="{FFD27042-4C98-2A4F-9022-1C23C1C0EFF2}" type="datetimeFigureOut">
               <a:rPr lang="en-US" smtClean="0"/>
-              <a:t>11/8/19</a:t>
+              <a:t>11/16/19</a:t>
             </a:fld>
             <a:endParaRPr lang="en-US"/>
           </a:p>
@@ -11022,7 +11022,7 @@
           <a:p>
             <a:fld id="{FFD27042-4C98-2A4F-9022-1C23C1C0EFF2}" type="datetimeFigureOut">
               <a:rPr lang="en-US" smtClean="0"/>
-              <a:t>11/8/19</a:t>
+              <a:t>11/16/19</a:t>
             </a:fld>
             <a:endParaRPr lang="en-US"/>
           </a:p>
@@ -12043,7 +12043,7 @@
             <a:pPr lvl="1"/>
             <a:r>
               <a:rPr lang="zh-CN" altLang="en-US" sz="2400" dirty="0"/>
-              <a:t>内容分享</a:t>
+              <a:t>数据可视化</a:t>
             </a:r>
             <a:endParaRPr lang="en-CA" altLang="zh-CN" sz="2400" dirty="0"/>
           </a:p>
@@ -14081,7 +14081,12 @@
             <p:ph type="title"/>
           </p:nvPr>
         </p:nvSpPr>
-        <p:spPr/>
+        <p:spPr>
+          <a:xfrm>
+            <a:off x="838200" y="365125"/>
+            <a:ext cx="10515600" cy="1325563"/>
+          </a:xfrm>
+        </p:spPr>
         <p:txBody>
           <a:bodyPr/>
           <a:lstStyle/>
@@ -16883,7 +16888,12 @@
             <p:ph type="title"/>
           </p:nvPr>
         </p:nvSpPr>
-        <p:spPr/>
+        <p:spPr>
+          <a:xfrm>
+            <a:off x="838200" y="365125"/>
+            <a:ext cx="10515600" cy="1325563"/>
+          </a:xfrm>
+        </p:spPr>
         <p:txBody>
           <a:bodyPr>
             <a:normAutofit/>

--- a/智能快递柜ppt.pptx
+++ b/智能快递柜ppt.pptx
@@ -238,7 +238,7 @@
           <a:p>
             <a:fld id="{83AE493A-86E4-C24E-9ECF-1B5B8FD987C3}" type="datetimeFigureOut">
               <a:rPr lang="en-US" smtClean="0"/>
-              <a:t>11/8/19</a:t>
+              <a:t>11/9/2019</a:t>
             </a:fld>
             <a:endParaRPr lang="en-US"/>
           </a:p>
@@ -8697,7 +8697,7 @@
           <a:p>
             <a:fld id="{FFD27042-4C98-2A4F-9022-1C23C1C0EFF2}" type="datetimeFigureOut">
               <a:rPr lang="en-US" smtClean="0"/>
-              <a:t>11/8/19</a:t>
+              <a:t>11/9/2019</a:t>
             </a:fld>
             <a:endParaRPr lang="en-US"/>
           </a:p>
@@ -8867,7 +8867,7 @@
           <a:p>
             <a:fld id="{FFD27042-4C98-2A4F-9022-1C23C1C0EFF2}" type="datetimeFigureOut">
               <a:rPr lang="en-US" smtClean="0"/>
-              <a:t>11/8/19</a:t>
+              <a:t>11/9/2019</a:t>
             </a:fld>
             <a:endParaRPr lang="en-US"/>
           </a:p>
@@ -9047,7 +9047,7 @@
           <a:p>
             <a:fld id="{FFD27042-4C98-2A4F-9022-1C23C1C0EFF2}" type="datetimeFigureOut">
               <a:rPr lang="en-US" smtClean="0"/>
-              <a:t>11/8/19</a:t>
+              <a:t>11/9/2019</a:t>
             </a:fld>
             <a:endParaRPr lang="en-US"/>
           </a:p>
@@ -9217,7 +9217,7 @@
           <a:p>
             <a:fld id="{FFD27042-4C98-2A4F-9022-1C23C1C0EFF2}" type="datetimeFigureOut">
               <a:rPr lang="en-US" smtClean="0"/>
-              <a:t>11/8/19</a:t>
+              <a:t>11/9/2019</a:t>
             </a:fld>
             <a:endParaRPr lang="en-US"/>
           </a:p>
@@ -9463,7 +9463,7 @@
           <a:p>
             <a:fld id="{FFD27042-4C98-2A4F-9022-1C23C1C0EFF2}" type="datetimeFigureOut">
               <a:rPr lang="en-US" smtClean="0"/>
-              <a:t>11/8/19</a:t>
+              <a:t>11/9/2019</a:t>
             </a:fld>
             <a:endParaRPr lang="en-US"/>
           </a:p>
@@ -9695,7 +9695,7 @@
           <a:p>
             <a:fld id="{FFD27042-4C98-2A4F-9022-1C23C1C0EFF2}" type="datetimeFigureOut">
               <a:rPr lang="en-US" smtClean="0"/>
-              <a:t>11/8/19</a:t>
+              <a:t>11/9/2019</a:t>
             </a:fld>
             <a:endParaRPr lang="en-US"/>
           </a:p>
@@ -10062,7 +10062,7 @@
           <a:p>
             <a:fld id="{FFD27042-4C98-2A4F-9022-1C23C1C0EFF2}" type="datetimeFigureOut">
               <a:rPr lang="en-US" smtClean="0"/>
-              <a:t>11/8/19</a:t>
+              <a:t>11/9/2019</a:t>
             </a:fld>
             <a:endParaRPr lang="en-US"/>
           </a:p>
@@ -10180,7 +10180,7 @@
           <a:p>
             <a:fld id="{FFD27042-4C98-2A4F-9022-1C23C1C0EFF2}" type="datetimeFigureOut">
               <a:rPr lang="en-US" smtClean="0"/>
-              <a:t>11/8/19</a:t>
+              <a:t>11/9/2019</a:t>
             </a:fld>
             <a:endParaRPr lang="en-US"/>
           </a:p>
@@ -10275,7 +10275,7 @@
           <a:p>
             <a:fld id="{FFD27042-4C98-2A4F-9022-1C23C1C0EFF2}" type="datetimeFigureOut">
               <a:rPr lang="en-US" smtClean="0"/>
-              <a:t>11/8/19</a:t>
+              <a:t>11/9/2019</a:t>
             </a:fld>
             <a:endParaRPr lang="en-US"/>
           </a:p>
@@ -10552,7 +10552,7 @@
           <a:p>
             <a:fld id="{FFD27042-4C98-2A4F-9022-1C23C1C0EFF2}" type="datetimeFigureOut">
               <a:rPr lang="en-US" smtClean="0"/>
-              <a:t>11/8/19</a:t>
+              <a:t>11/9/2019</a:t>
             </a:fld>
             <a:endParaRPr lang="en-US"/>
           </a:p>
@@ -10809,7 +10809,7 @@
           <a:p>
             <a:fld id="{FFD27042-4C98-2A4F-9022-1C23C1C0EFF2}" type="datetimeFigureOut">
               <a:rPr lang="en-US" smtClean="0"/>
-              <a:t>11/8/19</a:t>
+              <a:t>11/9/2019</a:t>
             </a:fld>
             <a:endParaRPr lang="en-US"/>
           </a:p>
@@ -11022,7 +11022,7 @@
           <a:p>
             <a:fld id="{FFD27042-4C98-2A4F-9022-1C23C1C0EFF2}" type="datetimeFigureOut">
               <a:rPr lang="en-US" smtClean="0"/>
-              <a:t>11/8/19</a:t>
+              <a:t>11/9/2019</a:t>
             </a:fld>
             <a:endParaRPr lang="en-US"/>
           </a:p>
@@ -12492,7 +12492,7 @@
           <a:p>
             <a:r>
               <a:rPr lang="zh-CN" altLang="en-US" sz="2400" dirty="0"/>
-              <a:t>战略意义</a:t>
+              <a:t>量化价值</a:t>
             </a:r>
             <a:endParaRPr lang="en-US" sz="2400" dirty="0"/>
           </a:p>
@@ -12551,7 +12551,7 @@
           <a:p>
             <a:r>
               <a:rPr lang="zh-CN" altLang="en-US" dirty="0"/>
-              <a:t>价值量化</a:t>
+              <a:t>量化价值</a:t>
             </a:r>
             <a:endParaRPr lang="en-US" dirty="0"/>
           </a:p>
@@ -12823,7 +12823,12 @@
             <p:ph type="title"/>
           </p:nvPr>
         </p:nvSpPr>
-        <p:spPr/>
+        <p:spPr>
+          <a:xfrm>
+            <a:off x="838200" y="365125"/>
+            <a:ext cx="10515600" cy="1325563"/>
+          </a:xfrm>
+        </p:spPr>
         <p:txBody>
           <a:bodyPr/>
           <a:lstStyle/>
@@ -12836,6 +12841,995 @@
           </a:p>
         </p:txBody>
       </p:sp>
+      <p:sp>
+        <p:nvSpPr>
+          <p:cNvPr id="3" name="Rectangle 2">
+            <a:extLst>
+              <a:ext uri="{FF2B5EF4-FFF2-40B4-BE49-F238E27FC236}">
+                <a16:creationId xmlns:a16="http://schemas.microsoft.com/office/drawing/2014/main" id="{F5ED818A-1E01-43E7-8B4D-92B8120905BB}"/>
+              </a:ext>
+            </a:extLst>
+          </p:cNvPr>
+          <p:cNvSpPr/>
+          <p:nvPr/>
+        </p:nvSpPr>
+        <p:spPr>
+          <a:xfrm>
+            <a:off x="5206582" y="3247626"/>
+            <a:ext cx="1549400" cy="677333"/>
+          </a:xfrm>
+          <a:prstGeom prst="rect">
+            <a:avLst/>
+          </a:prstGeom>
+        </p:spPr>
+        <p:style>
+          <a:lnRef idx="2">
+            <a:schemeClr val="accent1">
+              <a:shade val="50000"/>
+            </a:schemeClr>
+          </a:lnRef>
+          <a:fillRef idx="1">
+            <a:schemeClr val="accent1"/>
+          </a:fillRef>
+          <a:effectRef idx="0">
+            <a:schemeClr val="accent1"/>
+          </a:effectRef>
+          <a:fontRef idx="minor">
+            <a:schemeClr val="lt1"/>
+          </a:fontRef>
+        </p:style>
+        <p:txBody>
+          <a:bodyPr rtlCol="0" anchor="ctr"/>
+          <a:lstStyle/>
+          <a:p>
+            <a:pPr algn="ctr"/>
+            <a:endParaRPr lang="en-CA"/>
+          </a:p>
+        </p:txBody>
+      </p:sp>
+      <p:grpSp>
+        <p:nvGrpSpPr>
+          <p:cNvPr id="49" name="Group 48">
+            <a:extLst>
+              <a:ext uri="{FF2B5EF4-FFF2-40B4-BE49-F238E27FC236}">
+                <a16:creationId xmlns:a16="http://schemas.microsoft.com/office/drawing/2014/main" id="{087EFDC6-294B-48E5-94D8-DDD4B18A080F}"/>
+              </a:ext>
+            </a:extLst>
+          </p:cNvPr>
+          <p:cNvGrpSpPr/>
+          <p:nvPr/>
+        </p:nvGrpSpPr>
+        <p:grpSpPr>
+          <a:xfrm>
+            <a:off x="2022896" y="2287508"/>
+            <a:ext cx="2997837" cy="2790369"/>
+            <a:chOff x="2022896" y="2287508"/>
+            <a:chExt cx="2997837" cy="2790369"/>
+          </a:xfrm>
+        </p:grpSpPr>
+        <p:sp>
+          <p:nvSpPr>
+            <p:cNvPr id="4" name="TextBox 3">
+              <a:extLst>
+                <a:ext uri="{FF2B5EF4-FFF2-40B4-BE49-F238E27FC236}">
+                  <a16:creationId xmlns:a16="http://schemas.microsoft.com/office/drawing/2014/main" id="{88B331B4-81AA-420D-8CD4-096C15B57F90}"/>
+                </a:ext>
+              </a:extLst>
+            </p:cNvPr>
+            <p:cNvSpPr txBox="1"/>
+            <p:nvPr/>
+          </p:nvSpPr>
+          <p:spPr>
+            <a:xfrm>
+              <a:off x="2022896" y="2287508"/>
+              <a:ext cx="1336456" cy="369332"/>
+            </a:xfrm>
+            <a:prstGeom prst="rect">
+              <a:avLst/>
+            </a:prstGeom>
+            <a:noFill/>
+          </p:spPr>
+          <p:txBody>
+            <a:bodyPr wrap="none" rtlCol="0">
+              <a:spAutoFit/>
+            </a:bodyPr>
+            <a:lstStyle/>
+            <a:p>
+              <a:r>
+                <a:rPr lang="en-US" altLang="zh-CN" dirty="0"/>
+                <a:t>Canada Post</a:t>
+              </a:r>
+              <a:endParaRPr lang="en-CA" dirty="0"/>
+            </a:p>
+          </p:txBody>
+        </p:sp>
+        <p:sp>
+          <p:nvSpPr>
+            <p:cNvPr id="5" name="TextBox 4">
+              <a:extLst>
+                <a:ext uri="{FF2B5EF4-FFF2-40B4-BE49-F238E27FC236}">
+                  <a16:creationId xmlns:a16="http://schemas.microsoft.com/office/drawing/2014/main" id="{83B41E75-0639-4720-B661-EAD3FB32D090}"/>
+                </a:ext>
+              </a:extLst>
+            </p:cNvPr>
+            <p:cNvSpPr txBox="1"/>
+            <p:nvPr/>
+          </p:nvSpPr>
+          <p:spPr>
+            <a:xfrm>
+              <a:off x="2022896" y="2752235"/>
+              <a:ext cx="1336456" cy="369332"/>
+            </a:xfrm>
+            <a:prstGeom prst="rect">
+              <a:avLst/>
+            </a:prstGeom>
+            <a:noFill/>
+          </p:spPr>
+          <p:txBody>
+            <a:bodyPr wrap="none" rtlCol="0">
+              <a:spAutoFit/>
+            </a:bodyPr>
+            <a:lstStyle/>
+            <a:p>
+              <a:r>
+                <a:rPr lang="en-US" altLang="zh-CN" dirty="0"/>
+                <a:t>Canada Post</a:t>
+              </a:r>
+              <a:endParaRPr lang="en-CA" dirty="0"/>
+            </a:p>
+          </p:txBody>
+        </p:sp>
+        <p:sp>
+          <p:nvSpPr>
+            <p:cNvPr id="6" name="TextBox 5">
+              <a:extLst>
+                <a:ext uri="{FF2B5EF4-FFF2-40B4-BE49-F238E27FC236}">
+                  <a16:creationId xmlns:a16="http://schemas.microsoft.com/office/drawing/2014/main" id="{CE30D014-5FEA-4E8D-BAC5-F31A619A42A1}"/>
+                </a:ext>
+              </a:extLst>
+            </p:cNvPr>
+            <p:cNvSpPr txBox="1"/>
+            <p:nvPr/>
+          </p:nvSpPr>
+          <p:spPr>
+            <a:xfrm>
+              <a:off x="2022896" y="3216962"/>
+              <a:ext cx="1336456" cy="369332"/>
+            </a:xfrm>
+            <a:prstGeom prst="rect">
+              <a:avLst/>
+            </a:prstGeom>
+            <a:noFill/>
+          </p:spPr>
+          <p:txBody>
+            <a:bodyPr wrap="none" rtlCol="0">
+              <a:spAutoFit/>
+            </a:bodyPr>
+            <a:lstStyle/>
+            <a:p>
+              <a:r>
+                <a:rPr lang="en-US" altLang="zh-CN" dirty="0"/>
+                <a:t>Canada Post</a:t>
+              </a:r>
+              <a:endParaRPr lang="en-CA" dirty="0"/>
+            </a:p>
+          </p:txBody>
+        </p:sp>
+        <p:sp>
+          <p:nvSpPr>
+            <p:cNvPr id="7" name="TextBox 6">
+              <a:extLst>
+                <a:ext uri="{FF2B5EF4-FFF2-40B4-BE49-F238E27FC236}">
+                  <a16:creationId xmlns:a16="http://schemas.microsoft.com/office/drawing/2014/main" id="{CECAAA35-8CAF-4468-BF1E-829161F1D1B8}"/>
+                </a:ext>
+              </a:extLst>
+            </p:cNvPr>
+            <p:cNvSpPr txBox="1"/>
+            <p:nvPr/>
+          </p:nvSpPr>
+          <p:spPr>
+            <a:xfrm>
+              <a:off x="2022896" y="3681689"/>
+              <a:ext cx="1336456" cy="369332"/>
+            </a:xfrm>
+            <a:prstGeom prst="rect">
+              <a:avLst/>
+            </a:prstGeom>
+            <a:noFill/>
+          </p:spPr>
+          <p:txBody>
+            <a:bodyPr wrap="none" rtlCol="0">
+              <a:spAutoFit/>
+            </a:bodyPr>
+            <a:lstStyle/>
+            <a:p>
+              <a:r>
+                <a:rPr lang="en-US" altLang="zh-CN" dirty="0"/>
+                <a:t>Canada Post</a:t>
+              </a:r>
+              <a:endParaRPr lang="en-CA" dirty="0"/>
+            </a:p>
+          </p:txBody>
+        </p:sp>
+        <p:sp>
+          <p:nvSpPr>
+            <p:cNvPr id="8" name="TextBox 7">
+              <a:extLst>
+                <a:ext uri="{FF2B5EF4-FFF2-40B4-BE49-F238E27FC236}">
+                  <a16:creationId xmlns:a16="http://schemas.microsoft.com/office/drawing/2014/main" id="{0919E481-3785-4F06-8972-6C0BC7139489}"/>
+                </a:ext>
+              </a:extLst>
+            </p:cNvPr>
+            <p:cNvSpPr txBox="1"/>
+            <p:nvPr/>
+          </p:nvSpPr>
+          <p:spPr>
+            <a:xfrm>
+              <a:off x="2022896" y="4146417"/>
+              <a:ext cx="1336456" cy="369332"/>
+            </a:xfrm>
+            <a:prstGeom prst="rect">
+              <a:avLst/>
+            </a:prstGeom>
+            <a:noFill/>
+          </p:spPr>
+          <p:txBody>
+            <a:bodyPr wrap="none" rtlCol="0">
+              <a:spAutoFit/>
+            </a:bodyPr>
+            <a:lstStyle/>
+            <a:p>
+              <a:r>
+                <a:rPr lang="en-US" altLang="zh-CN" dirty="0"/>
+                <a:t>Canada Post</a:t>
+              </a:r>
+              <a:endParaRPr lang="en-CA" dirty="0"/>
+            </a:p>
+          </p:txBody>
+        </p:sp>
+        <p:sp>
+          <p:nvSpPr>
+            <p:cNvPr id="9" name="TextBox 8">
+              <a:extLst>
+                <a:ext uri="{FF2B5EF4-FFF2-40B4-BE49-F238E27FC236}">
+                  <a16:creationId xmlns:a16="http://schemas.microsoft.com/office/drawing/2014/main" id="{4A4EF238-D2F2-49BC-8BAC-EB6C163CEDBF}"/>
+                </a:ext>
+              </a:extLst>
+            </p:cNvPr>
+            <p:cNvSpPr txBox="1"/>
+            <p:nvPr/>
+          </p:nvSpPr>
+          <p:spPr>
+            <a:xfrm>
+              <a:off x="2515679" y="4668149"/>
+              <a:ext cx="513410" cy="409728"/>
+            </a:xfrm>
+            <a:prstGeom prst="rect">
+              <a:avLst/>
+            </a:prstGeom>
+            <a:noFill/>
+          </p:spPr>
+          <p:txBody>
+            <a:bodyPr vert="wordArtVert" wrap="none" rtlCol="0">
+              <a:spAutoFit/>
+            </a:bodyPr>
+            <a:lstStyle/>
+            <a:p>
+              <a:r>
+                <a:rPr lang="en-US" altLang="zh-CN" dirty="0"/>
+                <a:t>……</a:t>
+              </a:r>
+              <a:endParaRPr lang="en-CA" dirty="0"/>
+            </a:p>
+          </p:txBody>
+        </p:sp>
+        <p:cxnSp>
+          <p:nvCxnSpPr>
+            <p:cNvPr id="11" name="Connector: Elbow 10">
+              <a:extLst>
+                <a:ext uri="{FF2B5EF4-FFF2-40B4-BE49-F238E27FC236}">
+                  <a16:creationId xmlns:a16="http://schemas.microsoft.com/office/drawing/2014/main" id="{D1B2295E-9B5F-4EA2-BDBC-ED996469C98C}"/>
+                </a:ext>
+              </a:extLst>
+            </p:cNvPr>
+            <p:cNvCxnSpPr>
+              <a:cxnSpLocks/>
+              <a:stCxn id="4" idx="3"/>
+            </p:cNvCxnSpPr>
+            <p:nvPr/>
+          </p:nvCxnSpPr>
+          <p:spPr>
+            <a:xfrm>
+              <a:off x="3359352" y="2472174"/>
+              <a:ext cx="1661381" cy="1114120"/>
+            </a:xfrm>
+            <a:prstGeom prst="bentConnector3">
+              <a:avLst/>
+            </a:prstGeom>
+            <a:ln>
+              <a:tailEnd type="triangle"/>
+            </a:ln>
+          </p:spPr>
+          <p:style>
+            <a:lnRef idx="1">
+              <a:schemeClr val="accent1"/>
+            </a:lnRef>
+            <a:fillRef idx="0">
+              <a:schemeClr val="accent1"/>
+            </a:fillRef>
+            <a:effectRef idx="0">
+              <a:schemeClr val="accent1"/>
+            </a:effectRef>
+            <a:fontRef idx="minor">
+              <a:schemeClr val="tx1"/>
+            </a:fontRef>
+          </p:style>
+        </p:cxnSp>
+        <p:cxnSp>
+          <p:nvCxnSpPr>
+            <p:cNvPr id="15" name="Connector: Elbow 14">
+              <a:extLst>
+                <a:ext uri="{FF2B5EF4-FFF2-40B4-BE49-F238E27FC236}">
+                  <a16:creationId xmlns:a16="http://schemas.microsoft.com/office/drawing/2014/main" id="{CE9B3CBD-A9FB-4301-B950-A89C6D1F6818}"/>
+                </a:ext>
+              </a:extLst>
+            </p:cNvPr>
+            <p:cNvCxnSpPr>
+              <a:stCxn id="5" idx="3"/>
+            </p:cNvCxnSpPr>
+            <p:nvPr/>
+          </p:nvCxnSpPr>
+          <p:spPr>
+            <a:xfrm>
+              <a:off x="3359352" y="2936901"/>
+              <a:ext cx="950181" cy="649393"/>
+            </a:xfrm>
+            <a:prstGeom prst="bentConnector3">
+              <a:avLst/>
+            </a:prstGeom>
+          </p:spPr>
+          <p:style>
+            <a:lnRef idx="1">
+              <a:schemeClr val="accent1"/>
+            </a:lnRef>
+            <a:fillRef idx="0">
+              <a:schemeClr val="accent1"/>
+            </a:fillRef>
+            <a:effectRef idx="0">
+              <a:schemeClr val="accent1"/>
+            </a:effectRef>
+            <a:fontRef idx="minor">
+              <a:schemeClr val="tx1"/>
+            </a:fontRef>
+          </p:style>
+        </p:cxnSp>
+        <p:cxnSp>
+          <p:nvCxnSpPr>
+            <p:cNvPr id="16" name="Connector: Elbow 15">
+              <a:extLst>
+                <a:ext uri="{FF2B5EF4-FFF2-40B4-BE49-F238E27FC236}">
+                  <a16:creationId xmlns:a16="http://schemas.microsoft.com/office/drawing/2014/main" id="{C404ADB2-04B2-4660-94E8-61B34AA8C659}"/>
+                </a:ext>
+              </a:extLst>
+            </p:cNvPr>
+            <p:cNvCxnSpPr>
+              <a:cxnSpLocks/>
+              <a:stCxn id="6" idx="3"/>
+            </p:cNvCxnSpPr>
+            <p:nvPr/>
+          </p:nvCxnSpPr>
+          <p:spPr>
+            <a:xfrm>
+              <a:off x="3359352" y="3401628"/>
+              <a:ext cx="542824" cy="184665"/>
+            </a:xfrm>
+            <a:prstGeom prst="bentConnector3">
+              <a:avLst/>
+            </a:prstGeom>
+          </p:spPr>
+          <p:style>
+            <a:lnRef idx="1">
+              <a:schemeClr val="accent1"/>
+            </a:lnRef>
+            <a:fillRef idx="0">
+              <a:schemeClr val="accent1"/>
+            </a:fillRef>
+            <a:effectRef idx="0">
+              <a:schemeClr val="accent1"/>
+            </a:effectRef>
+            <a:fontRef idx="minor">
+              <a:schemeClr val="tx1"/>
+            </a:fontRef>
+          </p:style>
+        </p:cxnSp>
+        <p:cxnSp>
+          <p:nvCxnSpPr>
+            <p:cNvPr id="20" name="Connector: Elbow 19">
+              <a:extLst>
+                <a:ext uri="{FF2B5EF4-FFF2-40B4-BE49-F238E27FC236}">
+                  <a16:creationId xmlns:a16="http://schemas.microsoft.com/office/drawing/2014/main" id="{46D8E71F-E683-4243-8022-EA23BA96DFC1}"/>
+                </a:ext>
+              </a:extLst>
+            </p:cNvPr>
+            <p:cNvCxnSpPr>
+              <a:cxnSpLocks/>
+            </p:cNvCxnSpPr>
+            <p:nvPr/>
+          </p:nvCxnSpPr>
+          <p:spPr>
+            <a:xfrm flipV="1">
+              <a:off x="3358395" y="3586294"/>
+              <a:ext cx="543781" cy="293422"/>
+            </a:xfrm>
+            <a:prstGeom prst="bentConnector3">
+              <a:avLst/>
+            </a:prstGeom>
+          </p:spPr>
+          <p:style>
+            <a:lnRef idx="1">
+              <a:schemeClr val="accent1"/>
+            </a:lnRef>
+            <a:fillRef idx="0">
+              <a:schemeClr val="accent1"/>
+            </a:fillRef>
+            <a:effectRef idx="0">
+              <a:schemeClr val="accent1"/>
+            </a:effectRef>
+            <a:fontRef idx="minor">
+              <a:schemeClr val="tx1"/>
+            </a:fontRef>
+          </p:style>
+        </p:cxnSp>
+        <p:cxnSp>
+          <p:nvCxnSpPr>
+            <p:cNvPr id="22" name="Connector: Elbow 21">
+              <a:extLst>
+                <a:ext uri="{FF2B5EF4-FFF2-40B4-BE49-F238E27FC236}">
+                  <a16:creationId xmlns:a16="http://schemas.microsoft.com/office/drawing/2014/main" id="{4ECD8118-16DC-4130-A9CD-2EFEF9D96916}"/>
+                </a:ext>
+              </a:extLst>
+            </p:cNvPr>
+            <p:cNvCxnSpPr>
+              <a:cxnSpLocks/>
+            </p:cNvCxnSpPr>
+            <p:nvPr/>
+          </p:nvCxnSpPr>
+          <p:spPr>
+            <a:xfrm flipV="1">
+              <a:off x="3359352" y="3586293"/>
+              <a:ext cx="950181" cy="732751"/>
+            </a:xfrm>
+            <a:prstGeom prst="bentConnector3">
+              <a:avLst/>
+            </a:prstGeom>
+          </p:spPr>
+          <p:style>
+            <a:lnRef idx="1">
+              <a:schemeClr val="accent1"/>
+            </a:lnRef>
+            <a:fillRef idx="0">
+              <a:schemeClr val="accent1"/>
+            </a:fillRef>
+            <a:effectRef idx="0">
+              <a:schemeClr val="accent1"/>
+            </a:effectRef>
+            <a:fontRef idx="minor">
+              <a:schemeClr val="tx1"/>
+            </a:fontRef>
+          </p:style>
+        </p:cxnSp>
+        <p:cxnSp>
+          <p:nvCxnSpPr>
+            <p:cNvPr id="25" name="Connector: Elbow 24">
+              <a:extLst>
+                <a:ext uri="{FF2B5EF4-FFF2-40B4-BE49-F238E27FC236}">
+                  <a16:creationId xmlns:a16="http://schemas.microsoft.com/office/drawing/2014/main" id="{CC777CD5-AA76-4D2D-9E3C-01B0CC3C2BE6}"/>
+                </a:ext>
+              </a:extLst>
+            </p:cNvPr>
+            <p:cNvCxnSpPr>
+              <a:cxnSpLocks/>
+            </p:cNvCxnSpPr>
+            <p:nvPr/>
+          </p:nvCxnSpPr>
+          <p:spPr>
+            <a:xfrm flipV="1">
+              <a:off x="3358395" y="3586294"/>
+              <a:ext cx="1661381" cy="1180346"/>
+            </a:xfrm>
+            <a:prstGeom prst="bentConnector3">
+              <a:avLst/>
+            </a:prstGeom>
+            <a:ln>
+              <a:tailEnd type="triangle"/>
+            </a:ln>
+          </p:spPr>
+          <p:style>
+            <a:lnRef idx="1">
+              <a:schemeClr val="accent1"/>
+            </a:lnRef>
+            <a:fillRef idx="0">
+              <a:schemeClr val="accent1"/>
+            </a:fillRef>
+            <a:effectRef idx="0">
+              <a:schemeClr val="accent1"/>
+            </a:effectRef>
+            <a:fontRef idx="minor">
+              <a:schemeClr val="tx1"/>
+            </a:fontRef>
+          </p:style>
+        </p:cxnSp>
+      </p:grpSp>
+      <p:sp>
+        <p:nvSpPr>
+          <p:cNvPr id="62" name="TextBox 61">
+            <a:extLst>
+              <a:ext uri="{FF2B5EF4-FFF2-40B4-BE49-F238E27FC236}">
+                <a16:creationId xmlns:a16="http://schemas.microsoft.com/office/drawing/2014/main" id="{7319F3B8-8E6D-4ADF-B48B-3C3F46B4101C}"/>
+              </a:ext>
+            </a:extLst>
+          </p:cNvPr>
+          <p:cNvSpPr txBox="1"/>
+          <p:nvPr/>
+        </p:nvSpPr>
+        <p:spPr>
+          <a:xfrm>
+            <a:off x="8493145" y="2287507"/>
+            <a:ext cx="1336456" cy="369332"/>
+          </a:xfrm>
+          <a:prstGeom prst="rect">
+            <a:avLst/>
+          </a:prstGeom>
+          <a:noFill/>
+        </p:spPr>
+        <p:txBody>
+          <a:bodyPr wrap="none" rtlCol="0">
+            <a:spAutoFit/>
+          </a:bodyPr>
+          <a:lstStyle/>
+          <a:p>
+            <a:r>
+              <a:rPr lang="en-US" altLang="zh-CN" dirty="0"/>
+              <a:t>Canada Post</a:t>
+            </a:r>
+            <a:endParaRPr lang="en-CA" dirty="0"/>
+          </a:p>
+        </p:txBody>
+      </p:sp>
+      <p:sp>
+        <p:nvSpPr>
+          <p:cNvPr id="63" name="TextBox 62">
+            <a:extLst>
+              <a:ext uri="{FF2B5EF4-FFF2-40B4-BE49-F238E27FC236}">
+                <a16:creationId xmlns:a16="http://schemas.microsoft.com/office/drawing/2014/main" id="{748E2F53-8B24-41C4-A93C-EBA97F51BBF8}"/>
+              </a:ext>
+            </a:extLst>
+          </p:cNvPr>
+          <p:cNvSpPr txBox="1"/>
+          <p:nvPr/>
+        </p:nvSpPr>
+        <p:spPr>
+          <a:xfrm>
+            <a:off x="8493145" y="2752234"/>
+            <a:ext cx="1336456" cy="369332"/>
+          </a:xfrm>
+          <a:prstGeom prst="rect">
+            <a:avLst/>
+          </a:prstGeom>
+          <a:noFill/>
+        </p:spPr>
+        <p:txBody>
+          <a:bodyPr wrap="none" rtlCol="0">
+            <a:spAutoFit/>
+          </a:bodyPr>
+          <a:lstStyle/>
+          <a:p>
+            <a:r>
+              <a:rPr lang="en-US" altLang="zh-CN" dirty="0"/>
+              <a:t>Canada Post</a:t>
+            </a:r>
+            <a:endParaRPr lang="en-CA" dirty="0"/>
+          </a:p>
+        </p:txBody>
+      </p:sp>
+      <p:sp>
+        <p:nvSpPr>
+          <p:cNvPr id="64" name="TextBox 63">
+            <a:extLst>
+              <a:ext uri="{FF2B5EF4-FFF2-40B4-BE49-F238E27FC236}">
+                <a16:creationId xmlns:a16="http://schemas.microsoft.com/office/drawing/2014/main" id="{CDCBC96E-EAD2-443F-B9E3-C6E02ED83352}"/>
+              </a:ext>
+            </a:extLst>
+          </p:cNvPr>
+          <p:cNvSpPr txBox="1"/>
+          <p:nvPr/>
+        </p:nvSpPr>
+        <p:spPr>
+          <a:xfrm>
+            <a:off x="8493145" y="3216961"/>
+            <a:ext cx="1336456" cy="369332"/>
+          </a:xfrm>
+          <a:prstGeom prst="rect">
+            <a:avLst/>
+          </a:prstGeom>
+          <a:noFill/>
+        </p:spPr>
+        <p:txBody>
+          <a:bodyPr wrap="none" rtlCol="0">
+            <a:spAutoFit/>
+          </a:bodyPr>
+          <a:lstStyle/>
+          <a:p>
+            <a:r>
+              <a:rPr lang="en-US" altLang="zh-CN" dirty="0"/>
+              <a:t>Canada Post</a:t>
+            </a:r>
+            <a:endParaRPr lang="en-CA" dirty="0"/>
+          </a:p>
+        </p:txBody>
+      </p:sp>
+      <p:sp>
+        <p:nvSpPr>
+          <p:cNvPr id="65" name="TextBox 64">
+            <a:extLst>
+              <a:ext uri="{FF2B5EF4-FFF2-40B4-BE49-F238E27FC236}">
+                <a16:creationId xmlns:a16="http://schemas.microsoft.com/office/drawing/2014/main" id="{16E6BB3D-2C3C-4E07-BEA5-5945DD9B849A}"/>
+              </a:ext>
+            </a:extLst>
+          </p:cNvPr>
+          <p:cNvSpPr txBox="1"/>
+          <p:nvPr/>
+        </p:nvSpPr>
+        <p:spPr>
+          <a:xfrm>
+            <a:off x="8493145" y="3681688"/>
+            <a:ext cx="1336456" cy="369332"/>
+          </a:xfrm>
+          <a:prstGeom prst="rect">
+            <a:avLst/>
+          </a:prstGeom>
+          <a:noFill/>
+        </p:spPr>
+        <p:txBody>
+          <a:bodyPr wrap="none" rtlCol="0">
+            <a:spAutoFit/>
+          </a:bodyPr>
+          <a:lstStyle/>
+          <a:p>
+            <a:r>
+              <a:rPr lang="en-US" altLang="zh-CN" dirty="0"/>
+              <a:t>Canada Post</a:t>
+            </a:r>
+            <a:endParaRPr lang="en-CA" dirty="0"/>
+          </a:p>
+        </p:txBody>
+      </p:sp>
+      <p:sp>
+        <p:nvSpPr>
+          <p:cNvPr id="66" name="TextBox 65">
+            <a:extLst>
+              <a:ext uri="{FF2B5EF4-FFF2-40B4-BE49-F238E27FC236}">
+                <a16:creationId xmlns:a16="http://schemas.microsoft.com/office/drawing/2014/main" id="{B1FB4856-073B-490F-A06C-4B05CB8533B6}"/>
+              </a:ext>
+            </a:extLst>
+          </p:cNvPr>
+          <p:cNvSpPr txBox="1"/>
+          <p:nvPr/>
+        </p:nvSpPr>
+        <p:spPr>
+          <a:xfrm>
+            <a:off x="8493145" y="4146416"/>
+            <a:ext cx="1336456" cy="369332"/>
+          </a:xfrm>
+          <a:prstGeom prst="rect">
+            <a:avLst/>
+          </a:prstGeom>
+          <a:noFill/>
+        </p:spPr>
+        <p:txBody>
+          <a:bodyPr wrap="none" rtlCol="0">
+            <a:spAutoFit/>
+          </a:bodyPr>
+          <a:lstStyle/>
+          <a:p>
+            <a:r>
+              <a:rPr lang="en-US" altLang="zh-CN" dirty="0"/>
+              <a:t>Canada Post</a:t>
+            </a:r>
+            <a:endParaRPr lang="en-CA" dirty="0"/>
+          </a:p>
+        </p:txBody>
+      </p:sp>
+      <p:sp>
+        <p:nvSpPr>
+          <p:cNvPr id="67" name="TextBox 66">
+            <a:extLst>
+              <a:ext uri="{FF2B5EF4-FFF2-40B4-BE49-F238E27FC236}">
+                <a16:creationId xmlns:a16="http://schemas.microsoft.com/office/drawing/2014/main" id="{71C60AC6-22AF-4F1C-953B-48851B989E82}"/>
+              </a:ext>
+            </a:extLst>
+          </p:cNvPr>
+          <p:cNvSpPr txBox="1"/>
+          <p:nvPr/>
+        </p:nvSpPr>
+        <p:spPr>
+          <a:xfrm>
+            <a:off x="8985928" y="4668148"/>
+            <a:ext cx="513410" cy="409728"/>
+          </a:xfrm>
+          <a:prstGeom prst="rect">
+            <a:avLst/>
+          </a:prstGeom>
+          <a:noFill/>
+        </p:spPr>
+        <p:txBody>
+          <a:bodyPr vert="wordArtVert" wrap="none" rtlCol="0">
+            <a:spAutoFit/>
+          </a:bodyPr>
+          <a:lstStyle/>
+          <a:p>
+            <a:r>
+              <a:rPr lang="en-US" altLang="zh-CN" dirty="0"/>
+              <a:t>……</a:t>
+            </a:r>
+            <a:endParaRPr lang="en-CA" dirty="0"/>
+          </a:p>
+        </p:txBody>
+      </p:sp>
+      <p:cxnSp>
+        <p:nvCxnSpPr>
+          <p:cNvPr id="81" name="Connector: Elbow 80">
+            <a:extLst>
+              <a:ext uri="{FF2B5EF4-FFF2-40B4-BE49-F238E27FC236}">
+                <a16:creationId xmlns:a16="http://schemas.microsoft.com/office/drawing/2014/main" id="{3D8D9747-3FA0-4CD6-A7FA-771C9A3400AD}"/>
+              </a:ext>
+            </a:extLst>
+          </p:cNvPr>
+          <p:cNvCxnSpPr>
+            <a:cxnSpLocks/>
+            <a:endCxn id="62" idx="1"/>
+          </p:cNvCxnSpPr>
+          <p:nvPr/>
+        </p:nvCxnSpPr>
+        <p:spPr>
+          <a:xfrm flipV="1">
+            <a:off x="6790267" y="2472173"/>
+            <a:ext cx="1702878" cy="1114121"/>
+          </a:xfrm>
+          <a:prstGeom prst="bentConnector3">
+            <a:avLst/>
+          </a:prstGeom>
+          <a:ln>
+            <a:tailEnd type="triangle"/>
+          </a:ln>
+        </p:spPr>
+        <p:style>
+          <a:lnRef idx="1">
+            <a:schemeClr val="accent1"/>
+          </a:lnRef>
+          <a:fillRef idx="0">
+            <a:schemeClr val="accent1"/>
+          </a:fillRef>
+          <a:effectRef idx="0">
+            <a:schemeClr val="accent1"/>
+          </a:effectRef>
+          <a:fontRef idx="minor">
+            <a:schemeClr val="tx1"/>
+          </a:fontRef>
+        </p:style>
+      </p:cxnSp>
+      <p:cxnSp>
+        <p:nvCxnSpPr>
+          <p:cNvPr id="82" name="Connector: Elbow 81">
+            <a:extLst>
+              <a:ext uri="{FF2B5EF4-FFF2-40B4-BE49-F238E27FC236}">
+                <a16:creationId xmlns:a16="http://schemas.microsoft.com/office/drawing/2014/main" id="{3B8672E5-4E93-4629-B6CE-910D68194C2F}"/>
+              </a:ext>
+            </a:extLst>
+          </p:cNvPr>
+          <p:cNvCxnSpPr>
+            <a:cxnSpLocks/>
+          </p:cNvCxnSpPr>
+          <p:nvPr/>
+        </p:nvCxnSpPr>
+        <p:spPr>
+          <a:xfrm>
+            <a:off x="6832721" y="3586292"/>
+            <a:ext cx="1617970" cy="1307441"/>
+          </a:xfrm>
+          <a:prstGeom prst="bentConnector3">
+            <a:avLst/>
+          </a:prstGeom>
+          <a:ln>
+            <a:tailEnd type="triangle"/>
+          </a:ln>
+        </p:spPr>
+        <p:style>
+          <a:lnRef idx="1">
+            <a:schemeClr val="accent1"/>
+          </a:lnRef>
+          <a:fillRef idx="0">
+            <a:schemeClr val="accent1"/>
+          </a:fillRef>
+          <a:effectRef idx="0">
+            <a:schemeClr val="accent1"/>
+          </a:effectRef>
+          <a:fontRef idx="minor">
+            <a:schemeClr val="tx1"/>
+          </a:fontRef>
+        </p:style>
+      </p:cxnSp>
+      <p:cxnSp>
+        <p:nvCxnSpPr>
+          <p:cNvPr id="90" name="Connector: Elbow 89">
+            <a:extLst>
+              <a:ext uri="{FF2B5EF4-FFF2-40B4-BE49-F238E27FC236}">
+                <a16:creationId xmlns:a16="http://schemas.microsoft.com/office/drawing/2014/main" id="{4DCE9EF5-73AB-4795-9082-FC6C8A97F4EA}"/>
+              </a:ext>
+            </a:extLst>
+          </p:cNvPr>
+          <p:cNvCxnSpPr>
+            <a:cxnSpLocks/>
+            <a:endCxn id="63" idx="1"/>
+          </p:cNvCxnSpPr>
+          <p:nvPr/>
+        </p:nvCxnSpPr>
+        <p:spPr>
+          <a:xfrm flipV="1">
+            <a:off x="6798436" y="2936900"/>
+            <a:ext cx="1694709" cy="649394"/>
+          </a:xfrm>
+          <a:prstGeom prst="bentConnector3">
+            <a:avLst/>
+          </a:prstGeom>
+          <a:ln>
+            <a:tailEnd type="triangle"/>
+          </a:ln>
+        </p:spPr>
+        <p:style>
+          <a:lnRef idx="1">
+            <a:schemeClr val="accent1"/>
+          </a:lnRef>
+          <a:fillRef idx="0">
+            <a:schemeClr val="accent1"/>
+          </a:fillRef>
+          <a:effectRef idx="0">
+            <a:schemeClr val="accent1"/>
+          </a:effectRef>
+          <a:fontRef idx="minor">
+            <a:schemeClr val="tx1"/>
+          </a:fontRef>
+        </p:style>
+      </p:cxnSp>
+      <p:cxnSp>
+        <p:nvCxnSpPr>
+          <p:cNvPr id="93" name="Connector: Elbow 92">
+            <a:extLst>
+              <a:ext uri="{FF2B5EF4-FFF2-40B4-BE49-F238E27FC236}">
+                <a16:creationId xmlns:a16="http://schemas.microsoft.com/office/drawing/2014/main" id="{02620C91-FE70-4D87-94A2-03FD808217D2}"/>
+              </a:ext>
+            </a:extLst>
+          </p:cNvPr>
+          <p:cNvCxnSpPr>
+            <a:cxnSpLocks/>
+          </p:cNvCxnSpPr>
+          <p:nvPr/>
+        </p:nvCxnSpPr>
+        <p:spPr>
+          <a:xfrm flipV="1">
+            <a:off x="6832721" y="3401628"/>
+            <a:ext cx="1617970" cy="184664"/>
+          </a:xfrm>
+          <a:prstGeom prst="bentConnector3">
+            <a:avLst/>
+          </a:prstGeom>
+          <a:ln>
+            <a:tailEnd type="triangle"/>
+          </a:ln>
+        </p:spPr>
+        <p:style>
+          <a:lnRef idx="1">
+            <a:schemeClr val="accent1"/>
+          </a:lnRef>
+          <a:fillRef idx="0">
+            <a:schemeClr val="accent1"/>
+          </a:fillRef>
+          <a:effectRef idx="0">
+            <a:schemeClr val="accent1"/>
+          </a:effectRef>
+          <a:fontRef idx="minor">
+            <a:schemeClr val="tx1"/>
+          </a:fontRef>
+        </p:style>
+      </p:cxnSp>
+      <p:cxnSp>
+        <p:nvCxnSpPr>
+          <p:cNvPr id="96" name="Connector: Elbow 95">
+            <a:extLst>
+              <a:ext uri="{FF2B5EF4-FFF2-40B4-BE49-F238E27FC236}">
+                <a16:creationId xmlns:a16="http://schemas.microsoft.com/office/drawing/2014/main" id="{8F5975F9-000A-4BA4-847C-E35A295E3193}"/>
+              </a:ext>
+            </a:extLst>
+          </p:cNvPr>
+          <p:cNvCxnSpPr>
+            <a:cxnSpLocks/>
+            <a:endCxn id="65" idx="1"/>
+          </p:cNvCxnSpPr>
+          <p:nvPr/>
+        </p:nvCxnSpPr>
+        <p:spPr>
+          <a:xfrm>
+            <a:off x="6832721" y="3586294"/>
+            <a:ext cx="1660424" cy="280060"/>
+          </a:xfrm>
+          <a:prstGeom prst="bentConnector3">
+            <a:avLst>
+              <a:gd name="adj1" fmla="val 48980"/>
+            </a:avLst>
+          </a:prstGeom>
+          <a:ln>
+            <a:tailEnd type="triangle"/>
+          </a:ln>
+        </p:spPr>
+        <p:style>
+          <a:lnRef idx="1">
+            <a:schemeClr val="accent1"/>
+          </a:lnRef>
+          <a:fillRef idx="0">
+            <a:schemeClr val="accent1"/>
+          </a:fillRef>
+          <a:effectRef idx="0">
+            <a:schemeClr val="accent1"/>
+          </a:effectRef>
+          <a:fontRef idx="minor">
+            <a:schemeClr val="tx1"/>
+          </a:fontRef>
+        </p:style>
+      </p:cxnSp>
+      <p:cxnSp>
+        <p:nvCxnSpPr>
+          <p:cNvPr id="100" name="Connector: Elbow 99">
+            <a:extLst>
+              <a:ext uri="{FF2B5EF4-FFF2-40B4-BE49-F238E27FC236}">
+                <a16:creationId xmlns:a16="http://schemas.microsoft.com/office/drawing/2014/main" id="{FABB1FE8-5316-4D9A-9F4A-1DD1E2D8CE9E}"/>
+              </a:ext>
+            </a:extLst>
+          </p:cNvPr>
+          <p:cNvCxnSpPr>
+            <a:cxnSpLocks/>
+            <a:endCxn id="66" idx="1"/>
+          </p:cNvCxnSpPr>
+          <p:nvPr/>
+        </p:nvCxnSpPr>
+        <p:spPr>
+          <a:xfrm>
+            <a:off x="6832721" y="3586294"/>
+            <a:ext cx="1660424" cy="744788"/>
+          </a:xfrm>
+          <a:prstGeom prst="bentConnector3">
+            <a:avLst>
+              <a:gd name="adj1" fmla="val 48470"/>
+            </a:avLst>
+          </a:prstGeom>
+          <a:ln>
+            <a:tailEnd type="triangle"/>
+          </a:ln>
+        </p:spPr>
+        <p:style>
+          <a:lnRef idx="1">
+            <a:schemeClr val="accent1"/>
+          </a:lnRef>
+          <a:fillRef idx="0">
+            <a:schemeClr val="accent1"/>
+          </a:fillRef>
+          <a:effectRef idx="0">
+            <a:schemeClr val="accent1"/>
+          </a:effectRef>
+          <a:fontRef idx="minor">
+            <a:schemeClr val="tx1"/>
+          </a:fontRef>
+        </p:style>
+      </p:cxnSp>
     </p:spTree>
     <p:extLst>
       <p:ext uri="{BB962C8B-B14F-4D97-AF65-F5344CB8AC3E}">
@@ -16311,7 +17305,7 @@
         </p:nvSpPr>
         <p:spPr>
           <a:xfrm>
-            <a:off x="1920614" y="1571019"/>
+            <a:off x="1920614" y="715886"/>
             <a:ext cx="8050967" cy="1023681"/>
           </a:xfrm>
         </p:spPr>
@@ -16325,42 +17319,6 @@
               <a:t>从一个问题开始，到一个个问题</a:t>
             </a:r>
             <a:endParaRPr lang="en-US" dirty="0"/>
-          </a:p>
-        </p:txBody>
-      </p:sp>
-      <p:sp>
-        <p:nvSpPr>
-          <p:cNvPr id="3" name="TextBox 2">
-            <a:extLst>
-              <a:ext uri="{FF2B5EF4-FFF2-40B4-BE49-F238E27FC236}">
-                <a16:creationId xmlns:a16="http://schemas.microsoft.com/office/drawing/2014/main" id="{CCD30C5D-C111-A64D-85F0-7158F49EABAC}"/>
-              </a:ext>
-            </a:extLst>
-          </p:cNvPr>
-          <p:cNvSpPr txBox="1"/>
-          <p:nvPr/>
-        </p:nvSpPr>
-        <p:spPr>
-          <a:xfrm>
-            <a:off x="8802030" y="3221328"/>
-            <a:ext cx="2339102" cy="461665"/>
-          </a:xfrm>
-          <a:prstGeom prst="rect">
-            <a:avLst/>
-          </a:prstGeom>
-          <a:noFill/>
-        </p:spPr>
-        <p:txBody>
-          <a:bodyPr wrap="none" rtlCol="0">
-            <a:spAutoFit/>
-          </a:bodyPr>
-          <a:lstStyle/>
-          <a:p>
-            <a:r>
-              <a:rPr lang="zh-CN" altLang="en-US" sz="2400" dirty="0"/>
-              <a:t>上门服务的难处</a:t>
-            </a:r>
-            <a:endParaRPr lang="en-US" sz="2400" dirty="0"/>
           </a:p>
         </p:txBody>
       </p:sp>
@@ -16378,8 +17336,8 @@
         </p:nvSpPr>
         <p:spPr>
           <a:xfrm>
-            <a:off x="7632479" y="4309622"/>
-            <a:ext cx="2646878" cy="461665"/>
+            <a:off x="5687992" y="4841526"/>
+            <a:ext cx="800219" cy="461665"/>
           </a:xfrm>
           <a:prstGeom prst="rect">
             <a:avLst/>
@@ -16394,7 +17352,7 @@
           <a:p>
             <a:r>
               <a:rPr lang="zh-CN" altLang="en-US" sz="2400" dirty="0"/>
-              <a:t>住户和物业的矛盾</a:t>
+              <a:t>住户</a:t>
             </a:r>
             <a:endParaRPr lang="en-US" sz="2400" dirty="0"/>
           </a:p>
@@ -16414,8 +17372,8 @@
         </p:nvSpPr>
         <p:spPr>
           <a:xfrm>
-            <a:off x="4668220" y="4309622"/>
-            <a:ext cx="2646878" cy="461665"/>
+            <a:off x="7775488" y="2830708"/>
+            <a:ext cx="800219" cy="461665"/>
           </a:xfrm>
           <a:prstGeom prst="rect">
             <a:avLst/>
@@ -16430,7 +17388,7 @@
           <a:p>
             <a:r>
               <a:rPr lang="zh-CN" altLang="en-US" sz="2400" dirty="0"/>
-              <a:t>快递和物业的矛盾</a:t>
+              <a:t>物业</a:t>
             </a:r>
             <a:endParaRPr lang="en-US" sz="2400" dirty="0"/>
           </a:p>
@@ -16450,8 +17408,8 @@
         </p:nvSpPr>
         <p:spPr>
           <a:xfrm>
-            <a:off x="1703961" y="4309622"/>
-            <a:ext cx="2646878" cy="461665"/>
+            <a:off x="3600495" y="2830708"/>
+            <a:ext cx="800219" cy="461665"/>
           </a:xfrm>
           <a:prstGeom prst="rect">
             <a:avLst/>
@@ -16466,12 +17424,256 @@
           <a:p>
             <a:r>
               <a:rPr lang="zh-CN" altLang="en-US" sz="2400" dirty="0"/>
-              <a:t>快递和住户的矛盾</a:t>
+              <a:t>快递</a:t>
             </a:r>
             <a:endParaRPr lang="en-US" sz="2400" dirty="0"/>
           </a:p>
         </p:txBody>
       </p:sp>
+      <p:cxnSp>
+        <p:nvCxnSpPr>
+          <p:cNvPr id="8" name="Straight Arrow Connector 7">
+            <a:extLst>
+              <a:ext uri="{FF2B5EF4-FFF2-40B4-BE49-F238E27FC236}">
+                <a16:creationId xmlns:a16="http://schemas.microsoft.com/office/drawing/2014/main" id="{0BEF2B86-2532-4F13-8F25-30D48E0EDDF1}"/>
+              </a:ext>
+            </a:extLst>
+          </p:cNvPr>
+          <p:cNvCxnSpPr/>
+          <p:nvPr/>
+        </p:nvCxnSpPr>
+        <p:spPr>
+          <a:xfrm>
+            <a:off x="5096933" y="3149600"/>
+            <a:ext cx="2091267" cy="0"/>
+          </a:xfrm>
+          <a:prstGeom prst="straightConnector1">
+            <a:avLst/>
+          </a:prstGeom>
+          <a:ln>
+            <a:tailEnd type="triangle"/>
+          </a:ln>
+        </p:spPr>
+        <p:style>
+          <a:lnRef idx="1">
+            <a:schemeClr val="accent1"/>
+          </a:lnRef>
+          <a:fillRef idx="0">
+            <a:schemeClr val="accent1"/>
+          </a:fillRef>
+          <a:effectRef idx="0">
+            <a:schemeClr val="accent1"/>
+          </a:effectRef>
+          <a:fontRef idx="minor">
+            <a:schemeClr val="tx1"/>
+          </a:fontRef>
+        </p:style>
+      </p:cxnSp>
+      <p:cxnSp>
+        <p:nvCxnSpPr>
+          <p:cNvPr id="9" name="Straight Arrow Connector 8">
+            <a:extLst>
+              <a:ext uri="{FF2B5EF4-FFF2-40B4-BE49-F238E27FC236}">
+                <a16:creationId xmlns:a16="http://schemas.microsoft.com/office/drawing/2014/main" id="{9930D509-1459-4F65-9DFF-E44E9F30F044}"/>
+              </a:ext>
+            </a:extLst>
+          </p:cNvPr>
+          <p:cNvCxnSpPr>
+            <a:cxnSpLocks/>
+          </p:cNvCxnSpPr>
+          <p:nvPr/>
+        </p:nvCxnSpPr>
+        <p:spPr>
+          <a:xfrm>
+            <a:off x="4203699" y="3572933"/>
+            <a:ext cx="1308101" cy="1268593"/>
+          </a:xfrm>
+          <a:prstGeom prst="straightConnector1">
+            <a:avLst/>
+          </a:prstGeom>
+          <a:ln>
+            <a:tailEnd type="triangle"/>
+          </a:ln>
+        </p:spPr>
+        <p:style>
+          <a:lnRef idx="1">
+            <a:schemeClr val="accent1"/>
+          </a:lnRef>
+          <a:fillRef idx="0">
+            <a:schemeClr val="accent1"/>
+          </a:fillRef>
+          <a:effectRef idx="0">
+            <a:schemeClr val="accent1"/>
+          </a:effectRef>
+          <a:fontRef idx="minor">
+            <a:schemeClr val="tx1"/>
+          </a:fontRef>
+        </p:style>
+      </p:cxnSp>
+      <p:cxnSp>
+        <p:nvCxnSpPr>
+          <p:cNvPr id="11" name="Straight Arrow Connector 10">
+            <a:extLst>
+              <a:ext uri="{FF2B5EF4-FFF2-40B4-BE49-F238E27FC236}">
+                <a16:creationId xmlns:a16="http://schemas.microsoft.com/office/drawing/2014/main" id="{DA15B33C-919D-47EF-870F-9DB32B3BBC03}"/>
+              </a:ext>
+            </a:extLst>
+          </p:cNvPr>
+          <p:cNvCxnSpPr>
+            <a:cxnSpLocks/>
+          </p:cNvCxnSpPr>
+          <p:nvPr/>
+        </p:nvCxnSpPr>
+        <p:spPr>
+          <a:xfrm rot="10800000">
+            <a:off x="4442882" y="3360564"/>
+            <a:ext cx="1308101" cy="1268593"/>
+          </a:xfrm>
+          <a:prstGeom prst="straightConnector1">
+            <a:avLst/>
+          </a:prstGeom>
+          <a:ln>
+            <a:tailEnd type="triangle"/>
+          </a:ln>
+        </p:spPr>
+        <p:style>
+          <a:lnRef idx="1">
+            <a:schemeClr val="accent1"/>
+          </a:lnRef>
+          <a:fillRef idx="0">
+            <a:schemeClr val="accent1"/>
+          </a:fillRef>
+          <a:effectRef idx="0">
+            <a:schemeClr val="accent1"/>
+          </a:effectRef>
+          <a:fontRef idx="minor">
+            <a:schemeClr val="tx1"/>
+          </a:fontRef>
+        </p:style>
+      </p:cxnSp>
+      <p:cxnSp>
+        <p:nvCxnSpPr>
+          <p:cNvPr id="12" name="Straight Arrow Connector 11">
+            <a:extLst>
+              <a:ext uri="{FF2B5EF4-FFF2-40B4-BE49-F238E27FC236}">
+                <a16:creationId xmlns:a16="http://schemas.microsoft.com/office/drawing/2014/main" id="{6C798F2A-6662-41DC-A39D-C56BF90440AF}"/>
+              </a:ext>
+            </a:extLst>
+          </p:cNvPr>
+          <p:cNvCxnSpPr>
+            <a:cxnSpLocks/>
+          </p:cNvCxnSpPr>
+          <p:nvPr/>
+        </p:nvCxnSpPr>
+        <p:spPr>
+          <a:xfrm rot="10800000">
+            <a:off x="5096933" y="2847641"/>
+            <a:ext cx="2091267" cy="0"/>
+          </a:xfrm>
+          <a:prstGeom prst="straightConnector1">
+            <a:avLst/>
+          </a:prstGeom>
+          <a:ln>
+            <a:tailEnd type="triangle"/>
+          </a:ln>
+        </p:spPr>
+        <p:style>
+          <a:lnRef idx="1">
+            <a:schemeClr val="accent1"/>
+          </a:lnRef>
+          <a:fillRef idx="0">
+            <a:schemeClr val="accent1"/>
+          </a:fillRef>
+          <a:effectRef idx="0">
+            <a:schemeClr val="accent1"/>
+          </a:effectRef>
+          <a:fontRef idx="minor">
+            <a:schemeClr val="tx1"/>
+          </a:fontRef>
+        </p:style>
+      </p:cxnSp>
+      <p:cxnSp>
+        <p:nvCxnSpPr>
+          <p:cNvPr id="13" name="Straight Arrow Connector 12">
+            <a:extLst>
+              <a:ext uri="{FF2B5EF4-FFF2-40B4-BE49-F238E27FC236}">
+                <a16:creationId xmlns:a16="http://schemas.microsoft.com/office/drawing/2014/main" id="{E7DF8B76-C2D4-4714-B170-508FB4D35F77}"/>
+              </a:ext>
+            </a:extLst>
+          </p:cNvPr>
+          <p:cNvCxnSpPr>
+            <a:cxnSpLocks/>
+          </p:cNvCxnSpPr>
+          <p:nvPr/>
+        </p:nvCxnSpPr>
+        <p:spPr>
+          <a:xfrm rot="5400000">
+            <a:off x="6541589" y="3380318"/>
+            <a:ext cx="1308101" cy="1268593"/>
+          </a:xfrm>
+          <a:prstGeom prst="straightConnector1">
+            <a:avLst/>
+          </a:prstGeom>
+          <a:ln>
+            <a:tailEnd type="triangle"/>
+          </a:ln>
+        </p:spPr>
+        <p:style>
+          <a:lnRef idx="1">
+            <a:schemeClr val="accent1"/>
+          </a:lnRef>
+          <a:fillRef idx="0">
+            <a:schemeClr val="accent1"/>
+          </a:fillRef>
+          <a:effectRef idx="0">
+            <a:schemeClr val="accent1"/>
+          </a:effectRef>
+          <a:fontRef idx="minor">
+            <a:schemeClr val="tx1"/>
+          </a:fontRef>
+        </p:style>
+      </p:cxnSp>
+      <p:cxnSp>
+        <p:nvCxnSpPr>
+          <p:cNvPr id="14" name="Straight Arrow Connector 13">
+            <a:extLst>
+              <a:ext uri="{FF2B5EF4-FFF2-40B4-BE49-F238E27FC236}">
+                <a16:creationId xmlns:a16="http://schemas.microsoft.com/office/drawing/2014/main" id="{59D1EBB3-8687-4A65-98BF-555ED8B07E5A}"/>
+              </a:ext>
+            </a:extLst>
+          </p:cNvPr>
+          <p:cNvCxnSpPr>
+            <a:cxnSpLocks/>
+          </p:cNvCxnSpPr>
+          <p:nvPr/>
+        </p:nvCxnSpPr>
+        <p:spPr>
+          <a:xfrm rot="16200000">
+            <a:off x="6775776" y="3556602"/>
+            <a:ext cx="1308101" cy="1268593"/>
+          </a:xfrm>
+          <a:prstGeom prst="straightConnector1">
+            <a:avLst/>
+          </a:prstGeom>
+          <a:ln>
+            <a:tailEnd type="triangle"/>
+          </a:ln>
+        </p:spPr>
+        <p:style>
+          <a:lnRef idx="1">
+            <a:schemeClr val="accent1"/>
+          </a:lnRef>
+          <a:fillRef idx="0">
+            <a:schemeClr val="accent1"/>
+          </a:fillRef>
+          <a:effectRef idx="0">
+            <a:schemeClr val="accent1"/>
+          </a:effectRef>
+          <a:fontRef idx="minor">
+            <a:schemeClr val="tx1"/>
+          </a:fontRef>
+        </p:style>
+      </p:cxnSp>
     </p:spTree>
     <p:extLst>
       <p:ext uri="{BB962C8B-B14F-4D97-AF65-F5344CB8AC3E}">
@@ -16603,7 +17805,7 @@
           <a:p>
             <a:r>
               <a:rPr lang="zh-CN" altLang="en-US" sz="2400" dirty="0"/>
-              <a:t>战略意义</a:t>
+              <a:t>如何实现</a:t>
             </a:r>
             <a:endParaRPr lang="en-US" sz="2400" dirty="0"/>
           </a:p>
@@ -16816,7 +18018,7 @@
         <p:spPr>
           <a:xfrm>
             <a:off x="8306975" y="983880"/>
-            <a:ext cx="1415772" cy="461665"/>
+            <a:ext cx="2031325" cy="461665"/>
           </a:xfrm>
           <a:prstGeom prst="rect">
             <a:avLst/>
@@ -16831,7 +18033,7 @@
           <a:p>
             <a:r>
               <a:rPr lang="zh-CN" altLang="en-US" sz="2400" dirty="0"/>
-              <a:t>战略意义</a:t>
+              <a:t>给行业做减法</a:t>
             </a:r>
             <a:endParaRPr lang="en-US" sz="2400" dirty="0"/>
           </a:p>

--- a/智能快递柜ppt.pptx
+++ b/智能快递柜ppt.pptx
@@ -1,6 +1,6 @@
 
 <file path=ppt/presentation.xml><?xml version="1.0" encoding="utf-8"?>
-<p:presentation xmlns:a="http://schemas.openxmlformats.org/drawingml/2006/main" xmlns:r="http://schemas.openxmlformats.org/officeDocument/2006/relationships" xmlns:p="http://schemas.openxmlformats.org/presentationml/2006/main" saveSubsetFonts="1" autoCompressPictures="0">
+<p:presentation xmlns:a="http://schemas.openxmlformats.org/drawingml/2006/main" xmlns:r="http://schemas.openxmlformats.org/officeDocument/2006/relationships" xmlns:p="http://schemas.openxmlformats.org/presentationml/2006/main" showSpecialPlsOnTitleSld="0" saveSubsetFonts="1" autoCompressPictures="0">
   <p:sldMasterIdLst>
     <p:sldMasterId id="2147483684" r:id="rId1"/>
   </p:sldMasterIdLst>
@@ -238,7 +238,7 @@
           <a:p>
             <a:fld id="{83AE493A-86E4-C24E-9ECF-1B5B8FD987C3}" type="datetimeFigureOut">
               <a:rPr lang="en-US" smtClean="0"/>
-              <a:t>11/9/2019</a:t>
+              <a:t>11/17/2019</a:t>
             </a:fld>
             <a:endParaRPr lang="en-US"/>
           </a:p>
@@ -8695,9 +8695,9 @@
           <a:bodyPr/>
           <a:lstStyle/>
           <a:p>
-            <a:fld id="{FFD27042-4C98-2A4F-9022-1C23C1C0EFF2}" type="datetimeFigureOut">
+            <a:fld id="{6AD8B253-9E0B-4085-B1C9-C384F27586DD}" type="datetime1">
               <a:rPr lang="en-US" smtClean="0"/>
-              <a:t>11/9/2019</a:t>
+              <a:t>11/17/2019</a:t>
             </a:fld>
             <a:endParaRPr lang="en-US"/>
           </a:p>
@@ -8718,7 +8718,10 @@
           <a:bodyPr/>
           <a:lstStyle/>
           <a:p>
-            <a:endParaRPr lang="en-US"/>
+            <a:r>
+              <a:rPr lang="en-US"/>
+              <a:t>Zyanzoom Inc.</a:t>
+            </a:r>
           </a:p>
         </p:txBody>
       </p:sp>
@@ -8865,9 +8868,9 @@
           <a:bodyPr/>
           <a:lstStyle/>
           <a:p>
-            <a:fld id="{FFD27042-4C98-2A4F-9022-1C23C1C0EFF2}" type="datetimeFigureOut">
+            <a:fld id="{5E7A333C-B261-4DCB-A80A-26B78F208613}" type="datetime1">
               <a:rPr lang="en-US" smtClean="0"/>
-              <a:t>11/9/2019</a:t>
+              <a:t>11/17/2019</a:t>
             </a:fld>
             <a:endParaRPr lang="en-US"/>
           </a:p>
@@ -8888,7 +8891,10 @@
           <a:bodyPr/>
           <a:lstStyle/>
           <a:p>
-            <a:endParaRPr lang="en-US"/>
+            <a:r>
+              <a:rPr lang="en-US"/>
+              <a:t>Zyanzoom Inc.</a:t>
+            </a:r>
           </a:p>
         </p:txBody>
       </p:sp>
@@ -9045,9 +9051,9 @@
           <a:bodyPr/>
           <a:lstStyle/>
           <a:p>
-            <a:fld id="{FFD27042-4C98-2A4F-9022-1C23C1C0EFF2}" type="datetimeFigureOut">
+            <a:fld id="{31B705BC-2F40-4FF0-AD58-F93D3666C9EF}" type="datetime1">
               <a:rPr lang="en-US" smtClean="0"/>
-              <a:t>11/9/2019</a:t>
+              <a:t>11/17/2019</a:t>
             </a:fld>
             <a:endParaRPr lang="en-US"/>
           </a:p>
@@ -9068,7 +9074,10 @@
           <a:bodyPr/>
           <a:lstStyle/>
           <a:p>
-            <a:endParaRPr lang="en-US"/>
+            <a:r>
+              <a:rPr lang="en-US"/>
+              <a:t>Zyanzoom Inc.</a:t>
+            </a:r>
           </a:p>
         </p:txBody>
       </p:sp>
@@ -9215,9 +9224,9 @@
           <a:bodyPr/>
           <a:lstStyle/>
           <a:p>
-            <a:fld id="{FFD27042-4C98-2A4F-9022-1C23C1C0EFF2}" type="datetimeFigureOut">
+            <a:fld id="{AA2AE1D7-DB29-43AA-919A-B2AB2DF4D94F}" type="datetime1">
               <a:rPr lang="en-US" smtClean="0"/>
-              <a:t>11/9/2019</a:t>
+              <a:t>11/17/2019</a:t>
             </a:fld>
             <a:endParaRPr lang="en-US"/>
           </a:p>
@@ -9238,7 +9247,10 @@
           <a:bodyPr/>
           <a:lstStyle/>
           <a:p>
-            <a:endParaRPr lang="en-US"/>
+            <a:r>
+              <a:rPr lang="en-US"/>
+              <a:t>Zyanzoom Inc.</a:t>
+            </a:r>
           </a:p>
         </p:txBody>
       </p:sp>
@@ -9461,9 +9473,9 @@
           <a:bodyPr/>
           <a:lstStyle/>
           <a:p>
-            <a:fld id="{FFD27042-4C98-2A4F-9022-1C23C1C0EFF2}" type="datetimeFigureOut">
+            <a:fld id="{76AFCA23-363B-4372-8BE9-57EDC31C803E}" type="datetime1">
               <a:rPr lang="en-US" smtClean="0"/>
-              <a:t>11/9/2019</a:t>
+              <a:t>11/17/2019</a:t>
             </a:fld>
             <a:endParaRPr lang="en-US"/>
           </a:p>
@@ -9484,7 +9496,10 @@
           <a:bodyPr/>
           <a:lstStyle/>
           <a:p>
-            <a:endParaRPr lang="en-US"/>
+            <a:r>
+              <a:rPr lang="en-US"/>
+              <a:t>Zyanzoom Inc.</a:t>
+            </a:r>
           </a:p>
         </p:txBody>
       </p:sp>
@@ -9693,9 +9708,9 @@
           <a:bodyPr/>
           <a:lstStyle/>
           <a:p>
-            <a:fld id="{FFD27042-4C98-2A4F-9022-1C23C1C0EFF2}" type="datetimeFigureOut">
+            <a:fld id="{C8ADB350-7B27-46F2-A210-54F712225291}" type="datetime1">
               <a:rPr lang="en-US" smtClean="0"/>
-              <a:t>11/9/2019</a:t>
+              <a:t>11/17/2019</a:t>
             </a:fld>
             <a:endParaRPr lang="en-US"/>
           </a:p>
@@ -9716,7 +9731,10 @@
           <a:bodyPr/>
           <a:lstStyle/>
           <a:p>
-            <a:endParaRPr lang="en-US"/>
+            <a:r>
+              <a:rPr lang="en-US"/>
+              <a:t>Zyanzoom Inc.</a:t>
+            </a:r>
           </a:p>
         </p:txBody>
       </p:sp>
@@ -10060,9 +10078,9 @@
           <a:bodyPr/>
           <a:lstStyle/>
           <a:p>
-            <a:fld id="{FFD27042-4C98-2A4F-9022-1C23C1C0EFF2}" type="datetimeFigureOut">
+            <a:fld id="{334DCCBC-9F4A-4861-A431-1DE60F2B0D70}" type="datetime1">
               <a:rPr lang="en-US" smtClean="0"/>
-              <a:t>11/9/2019</a:t>
+              <a:t>11/17/2019</a:t>
             </a:fld>
             <a:endParaRPr lang="en-US"/>
           </a:p>
@@ -10083,7 +10101,10 @@
           <a:bodyPr/>
           <a:lstStyle/>
           <a:p>
-            <a:endParaRPr lang="en-US"/>
+            <a:r>
+              <a:rPr lang="en-US"/>
+              <a:t>Zyanzoom Inc.</a:t>
+            </a:r>
           </a:p>
         </p:txBody>
       </p:sp>
@@ -10178,9 +10199,9 @@
           <a:bodyPr/>
           <a:lstStyle/>
           <a:p>
-            <a:fld id="{FFD27042-4C98-2A4F-9022-1C23C1C0EFF2}" type="datetimeFigureOut">
+            <a:fld id="{640C4C56-6ECB-4F99-8640-02DD953A43A4}" type="datetime1">
               <a:rPr lang="en-US" smtClean="0"/>
-              <a:t>11/9/2019</a:t>
+              <a:t>11/17/2019</a:t>
             </a:fld>
             <a:endParaRPr lang="en-US"/>
           </a:p>
@@ -10201,7 +10222,10 @@
           <a:bodyPr/>
           <a:lstStyle/>
           <a:p>
-            <a:endParaRPr lang="en-US"/>
+            <a:r>
+              <a:rPr lang="en-US"/>
+              <a:t>Zyanzoom Inc.</a:t>
+            </a:r>
           </a:p>
         </p:txBody>
       </p:sp>
@@ -10273,9 +10297,9 @@
           <a:bodyPr/>
           <a:lstStyle/>
           <a:p>
-            <a:fld id="{FFD27042-4C98-2A4F-9022-1C23C1C0EFF2}" type="datetimeFigureOut">
+            <a:fld id="{D412131E-D2A8-4125-A2E8-5A57AC8EFFC8}" type="datetime1">
               <a:rPr lang="en-US" smtClean="0"/>
-              <a:t>11/9/2019</a:t>
+              <a:t>11/17/2019</a:t>
             </a:fld>
             <a:endParaRPr lang="en-US"/>
           </a:p>
@@ -10296,7 +10320,10 @@
           <a:bodyPr/>
           <a:lstStyle/>
           <a:p>
-            <a:endParaRPr lang="en-US"/>
+            <a:r>
+              <a:rPr lang="en-US"/>
+              <a:t>Zyanzoom Inc.</a:t>
+            </a:r>
           </a:p>
         </p:txBody>
       </p:sp>
@@ -10550,9 +10577,9 @@
           <a:bodyPr/>
           <a:lstStyle/>
           <a:p>
-            <a:fld id="{FFD27042-4C98-2A4F-9022-1C23C1C0EFF2}" type="datetimeFigureOut">
+            <a:fld id="{1EB00F93-2E33-41E7-BC4A-6EAA14BED0BC}" type="datetime1">
               <a:rPr lang="en-US" smtClean="0"/>
-              <a:t>11/9/2019</a:t>
+              <a:t>11/17/2019</a:t>
             </a:fld>
             <a:endParaRPr lang="en-US"/>
           </a:p>
@@ -10573,7 +10600,10 @@
           <a:bodyPr/>
           <a:lstStyle/>
           <a:p>
-            <a:endParaRPr lang="en-US"/>
+            <a:r>
+              <a:rPr lang="en-US"/>
+              <a:t>Zyanzoom Inc.</a:t>
+            </a:r>
           </a:p>
         </p:txBody>
       </p:sp>
@@ -10807,9 +10837,9 @@
           <a:bodyPr/>
           <a:lstStyle/>
           <a:p>
-            <a:fld id="{FFD27042-4C98-2A4F-9022-1C23C1C0EFF2}" type="datetimeFigureOut">
+            <a:fld id="{3A5ACE8B-8D34-48C6-A6A1-2C28E829084E}" type="datetime1">
               <a:rPr lang="en-US" smtClean="0"/>
-              <a:t>11/9/2019</a:t>
+              <a:t>11/17/2019</a:t>
             </a:fld>
             <a:endParaRPr lang="en-US"/>
           </a:p>
@@ -10830,7 +10860,10 @@
           <a:bodyPr/>
           <a:lstStyle/>
           <a:p>
-            <a:endParaRPr lang="en-US"/>
+            <a:r>
+              <a:rPr lang="en-US"/>
+              <a:t>Zyanzoom Inc.</a:t>
+            </a:r>
           </a:p>
         </p:txBody>
       </p:sp>
@@ -11020,9 +11053,9 @@
             </a:lvl1pPr>
           </a:lstStyle>
           <a:p>
-            <a:fld id="{FFD27042-4C98-2A4F-9022-1C23C1C0EFF2}" type="datetimeFigureOut">
+            <a:fld id="{E1C5394E-B275-46F1-8BD2-F24178E2142E}" type="datetime1">
               <a:rPr lang="en-US" smtClean="0"/>
-              <a:t>11/9/2019</a:t>
+              <a:t>11/17/2019</a:t>
             </a:fld>
             <a:endParaRPr lang="en-US"/>
           </a:p>
@@ -11061,7 +11094,10 @@
             </a:lvl1pPr>
           </a:lstStyle>
           <a:p>
-            <a:endParaRPr lang="en-US"/>
+            <a:r>
+              <a:rPr lang="en-US"/>
+              <a:t>Zyanzoom Inc.</a:t>
+            </a:r>
           </a:p>
         </p:txBody>
       </p:sp>
@@ -11127,6 +11163,7 @@
     <p:sldLayoutId id="2147483694" r:id="rId10"/>
     <p:sldLayoutId id="2147483695" r:id="rId11"/>
   </p:sldLayoutIdLst>
+  <p:hf sldNum="0" hdr="0" dt="0"/>
   <p:txStyles>
     <p:titleStyle>
       <a:lvl1pPr algn="l" defTabSz="914400" rtl="0" eaLnBrk="1" latinLnBrk="0" hangingPunct="1">
@@ -11597,6 +11634,34 @@
           </a:p>
         </p:txBody>
       </p:sp>
+      <p:sp>
+        <p:nvSpPr>
+          <p:cNvPr id="4" name="Footer Placeholder 3">
+            <a:extLst>
+              <a:ext uri="{FF2B5EF4-FFF2-40B4-BE49-F238E27FC236}">
+                <a16:creationId xmlns:a16="http://schemas.microsoft.com/office/drawing/2014/main" id="{514DFEA0-83E3-4052-8ED7-0A57BA49542A}"/>
+              </a:ext>
+            </a:extLst>
+          </p:cNvPr>
+          <p:cNvSpPr>
+            <a:spLocks noGrp="1"/>
+          </p:cNvSpPr>
+          <p:nvPr>
+            <p:ph type="ftr" sz="quarter" idx="11"/>
+          </p:nvPr>
+        </p:nvSpPr>
+        <p:spPr/>
+        <p:txBody>
+          <a:bodyPr/>
+          <a:lstStyle/>
+          <a:p>
+            <a:r>
+              <a:rPr lang="en-US"/>
+              <a:t>Zyanzoom Inc.</a:t>
+            </a:r>
+          </a:p>
+        </p:txBody>
+      </p:sp>
     </p:spTree>
     <p:extLst>
       <p:ext uri="{BB962C8B-B14F-4D97-AF65-F5344CB8AC3E}">
@@ -11912,6 +11977,34 @@
           </a:prstGeom>
         </p:spPr>
       </p:pic>
+      <p:sp>
+        <p:nvSpPr>
+          <p:cNvPr id="8" name="Footer Placeholder 7">
+            <a:extLst>
+              <a:ext uri="{FF2B5EF4-FFF2-40B4-BE49-F238E27FC236}">
+                <a16:creationId xmlns:a16="http://schemas.microsoft.com/office/drawing/2014/main" id="{E41403B6-8417-45A1-A817-99C9C7A4D43A}"/>
+              </a:ext>
+            </a:extLst>
+          </p:cNvPr>
+          <p:cNvSpPr>
+            <a:spLocks noGrp="1"/>
+          </p:cNvSpPr>
+          <p:nvPr>
+            <p:ph type="ftr" sz="quarter" idx="11"/>
+          </p:nvPr>
+        </p:nvSpPr>
+        <p:spPr/>
+        <p:txBody>
+          <a:bodyPr/>
+          <a:lstStyle/>
+          <a:p>
+            <a:r>
+              <a:rPr lang="en-US"/>
+              <a:t>Zyanzoom Inc.</a:t>
+            </a:r>
+          </a:p>
+        </p:txBody>
+      </p:sp>
     </p:spTree>
     <p:extLst>
       <p:ext uri="{BB962C8B-B14F-4D97-AF65-F5344CB8AC3E}">
@@ -12133,6 +12226,34 @@
           </a:p>
         </p:txBody>
       </p:sp>
+      <p:sp>
+        <p:nvSpPr>
+          <p:cNvPr id="4" name="Footer Placeholder 3">
+            <a:extLst>
+              <a:ext uri="{FF2B5EF4-FFF2-40B4-BE49-F238E27FC236}">
+                <a16:creationId xmlns:a16="http://schemas.microsoft.com/office/drawing/2014/main" id="{37AEFA1B-2756-4224-A47B-2625C942E3F3}"/>
+              </a:ext>
+            </a:extLst>
+          </p:cNvPr>
+          <p:cNvSpPr>
+            <a:spLocks noGrp="1"/>
+          </p:cNvSpPr>
+          <p:nvPr>
+            <p:ph type="ftr" sz="quarter" idx="11"/>
+          </p:nvPr>
+        </p:nvSpPr>
+        <p:spPr/>
+        <p:txBody>
+          <a:bodyPr/>
+          <a:lstStyle/>
+          <a:p>
+            <a:r>
+              <a:rPr lang="en-US"/>
+              <a:t>Zyanzoom Inc.</a:t>
+            </a:r>
+          </a:p>
+        </p:txBody>
+      </p:sp>
     </p:spTree>
     <p:extLst>
       <p:ext uri="{BB962C8B-B14F-4D97-AF65-F5344CB8AC3E}">
@@ -12498,6 +12619,34 @@
           </a:p>
         </p:txBody>
       </p:sp>
+      <p:sp>
+        <p:nvSpPr>
+          <p:cNvPr id="3" name="Footer Placeholder 2">
+            <a:extLst>
+              <a:ext uri="{FF2B5EF4-FFF2-40B4-BE49-F238E27FC236}">
+                <a16:creationId xmlns:a16="http://schemas.microsoft.com/office/drawing/2014/main" id="{D67B05F4-097F-489B-9883-8EF327F5233B}"/>
+              </a:ext>
+            </a:extLst>
+          </p:cNvPr>
+          <p:cNvSpPr>
+            <a:spLocks noGrp="1"/>
+          </p:cNvSpPr>
+          <p:nvPr>
+            <p:ph type="ftr" sz="quarter" idx="11"/>
+          </p:nvPr>
+        </p:nvSpPr>
+        <p:spPr/>
+        <p:txBody>
+          <a:bodyPr/>
+          <a:lstStyle/>
+          <a:p>
+            <a:r>
+              <a:rPr lang="en-US"/>
+              <a:t>Zyanzoom Inc.</a:t>
+            </a:r>
+          </a:p>
+        </p:txBody>
+      </p:sp>
     </p:spTree>
     <p:extLst>
       <p:ext uri="{BB962C8B-B14F-4D97-AF65-F5344CB8AC3E}">
@@ -12777,6 +12926,34 @@
           </a:p>
         </p:txBody>
       </p:sp>
+      <p:sp>
+        <p:nvSpPr>
+          <p:cNvPr id="3" name="Footer Placeholder 2">
+            <a:extLst>
+              <a:ext uri="{FF2B5EF4-FFF2-40B4-BE49-F238E27FC236}">
+                <a16:creationId xmlns:a16="http://schemas.microsoft.com/office/drawing/2014/main" id="{2FDF78C5-869F-499E-B33A-84207B73ABF6}"/>
+              </a:ext>
+            </a:extLst>
+          </p:cNvPr>
+          <p:cNvSpPr>
+            <a:spLocks noGrp="1"/>
+          </p:cNvSpPr>
+          <p:nvPr>
+            <p:ph type="ftr" sz="quarter" idx="11"/>
+          </p:nvPr>
+        </p:nvSpPr>
+        <p:spPr/>
+        <p:txBody>
+          <a:bodyPr/>
+          <a:lstStyle/>
+          <a:p>
+            <a:r>
+              <a:rPr lang="en-US"/>
+              <a:t>Zyanzoom Inc.</a:t>
+            </a:r>
+          </a:p>
+        </p:txBody>
+      </p:sp>
     </p:spTree>
     <p:extLst>
       <p:ext uri="{BB962C8B-B14F-4D97-AF65-F5344CB8AC3E}">
@@ -12835,7 +13012,7 @@
           <a:p>
             <a:r>
               <a:rPr lang="zh-CN" altLang="en-US" dirty="0"/>
-              <a:t>从另一个角度看市场</a:t>
+              <a:t>战略价值</a:t>
             </a:r>
             <a:endParaRPr lang="en-US" dirty="0"/>
           </a:p>
@@ -12922,7 +13099,7 @@
           <p:spPr>
             <a:xfrm>
               <a:off x="2022896" y="2287508"/>
-              <a:ext cx="1336456" cy="369332"/>
+              <a:ext cx="997645" cy="369332"/>
             </a:xfrm>
             <a:prstGeom prst="rect">
               <a:avLst/>
@@ -12936,8 +13113,8 @@
             <a:lstStyle/>
             <a:p>
               <a:r>
-                <a:rPr lang="en-US" altLang="zh-CN" dirty="0"/>
-                <a:t>Canada Post</a:t>
+                <a:rPr lang="en-US" dirty="0"/>
+                <a:t>Resident</a:t>
               </a:r>
               <a:endParaRPr lang="en-CA" dirty="0"/>
             </a:p>
@@ -12958,7 +13135,7 @@
           <p:spPr>
             <a:xfrm>
               <a:off x="2022896" y="2752235"/>
-              <a:ext cx="1336456" cy="369332"/>
+              <a:ext cx="1888081" cy="369332"/>
             </a:xfrm>
             <a:prstGeom prst="rect">
               <a:avLst/>
@@ -12973,7 +13150,7 @@
             <a:p>
               <a:r>
                 <a:rPr lang="en-US" altLang="zh-CN" dirty="0"/>
-                <a:t>Canada Post</a:t>
+                <a:t>Delivery Company</a:t>
               </a:r>
               <a:endParaRPr lang="en-CA" dirty="0"/>
             </a:p>
@@ -12994,7 +13171,7 @@
           <p:spPr>
             <a:xfrm>
               <a:off x="2022896" y="3216962"/>
-              <a:ext cx="1336456" cy="369332"/>
+              <a:ext cx="1359155" cy="369332"/>
             </a:xfrm>
             <a:prstGeom prst="rect">
               <a:avLst/>
@@ -13009,7 +13186,7 @@
             <a:p>
               <a:r>
                 <a:rPr lang="en-US" altLang="zh-CN" dirty="0"/>
-                <a:t>Canada Post</a:t>
+                <a:t>E-commerce</a:t>
               </a:r>
               <a:endParaRPr lang="en-CA" dirty="0"/>
             </a:p>
@@ -13030,7 +13207,7 @@
           <p:spPr>
             <a:xfrm>
               <a:off x="2022896" y="3681689"/>
-              <a:ext cx="1336456" cy="369332"/>
+              <a:ext cx="1472454" cy="369332"/>
             </a:xfrm>
             <a:prstGeom prst="rect">
               <a:avLst/>
@@ -13045,7 +13222,7 @@
             <a:p>
               <a:r>
                 <a:rPr lang="en-US" altLang="zh-CN" dirty="0"/>
-                <a:t>Canada Post</a:t>
+                <a:t>Food Delivery</a:t>
               </a:r>
               <a:endParaRPr lang="en-CA" dirty="0"/>
             </a:p>
@@ -13066,7 +13243,7 @@
           <p:spPr>
             <a:xfrm>
               <a:off x="2022896" y="4146417"/>
-              <a:ext cx="1336456" cy="369332"/>
+              <a:ext cx="1826141" cy="369332"/>
             </a:xfrm>
             <a:prstGeom prst="rect">
               <a:avLst/>
@@ -13080,8 +13257,8 @@
             <a:lstStyle/>
             <a:p>
               <a:r>
-                <a:rPr lang="en-US" altLang="zh-CN" dirty="0"/>
-                <a:t>Canada Post</a:t>
+                <a:rPr lang="en-US" dirty="0"/>
+                <a:t>Other Companies</a:t>
               </a:r>
               <a:endParaRPr lang="en-CA" dirty="0"/>
             </a:p>
@@ -13140,8 +13317,8 @@
           </p:nvCxnSpPr>
           <p:spPr>
             <a:xfrm>
-              <a:off x="3359352" y="2472174"/>
-              <a:ext cx="1661381" cy="1114120"/>
+              <a:off x="3020541" y="2472174"/>
+              <a:ext cx="2000192" cy="1114120"/>
             </a:xfrm>
             <a:prstGeom prst="bentConnector3">
               <a:avLst/>
@@ -13175,16 +13352,17 @@
               </a:extLst>
             </p:cNvPr>
             <p:cNvCxnSpPr>
+              <a:cxnSpLocks/>
               <a:stCxn id="5" idx="3"/>
             </p:cNvCxnSpPr>
             <p:nvPr/>
           </p:nvCxnSpPr>
           <p:spPr>
             <a:xfrm>
-              <a:off x="3359352" y="2936901"/>
-              <a:ext cx="950181" cy="649393"/>
+              <a:off x="3910977" y="2936901"/>
+              <a:ext cx="398556" cy="649391"/>
             </a:xfrm>
-            <a:prstGeom prst="bentConnector3">
+            <a:prstGeom prst="bentConnector2">
               <a:avLst/>
             </a:prstGeom>
           </p:spPr>
@@ -13220,8 +13398,8 @@
           </p:nvCxnSpPr>
           <p:spPr>
             <a:xfrm>
-              <a:off x="3359352" y="3401628"/>
-              <a:ext cx="542824" cy="184665"/>
+              <a:off x="3382051" y="3401628"/>
+              <a:ext cx="1580474" cy="184667"/>
             </a:xfrm>
             <a:prstGeom prst="bentConnector3">
               <a:avLst/>
@@ -13253,13 +13431,14 @@
             </p:cNvPr>
             <p:cNvCxnSpPr>
               <a:cxnSpLocks/>
+              <a:stCxn id="7" idx="3"/>
             </p:cNvCxnSpPr>
             <p:nvPr/>
           </p:nvCxnSpPr>
           <p:spPr>
             <a:xfrm flipV="1">
-              <a:off x="3358395" y="3586294"/>
-              <a:ext cx="543781" cy="293422"/>
+              <a:off x="3495350" y="3586292"/>
+              <a:ext cx="1467175" cy="280063"/>
             </a:xfrm>
             <a:prstGeom prst="bentConnector3">
               <a:avLst/>
@@ -13291,15 +13470,16 @@
             </p:cNvPr>
             <p:cNvCxnSpPr>
               <a:cxnSpLocks/>
+              <a:stCxn id="8" idx="3"/>
             </p:cNvCxnSpPr>
             <p:nvPr/>
           </p:nvCxnSpPr>
           <p:spPr>
             <a:xfrm flipV="1">
-              <a:off x="3359352" y="3586293"/>
-              <a:ext cx="950181" cy="732751"/>
+              <a:off x="3849037" y="3586295"/>
+              <a:ext cx="460496" cy="744788"/>
             </a:xfrm>
-            <a:prstGeom prst="bentConnector3">
+            <a:prstGeom prst="bentConnector2">
               <a:avLst/>
             </a:prstGeom>
           </p:spPr>
@@ -13329,16 +13509,19 @@
             </p:cNvPr>
             <p:cNvCxnSpPr>
               <a:cxnSpLocks/>
+              <a:stCxn id="9" idx="3"/>
             </p:cNvCxnSpPr>
             <p:nvPr/>
           </p:nvCxnSpPr>
           <p:spPr>
             <a:xfrm flipV="1">
-              <a:off x="3358395" y="3586294"/>
-              <a:ext cx="1661381" cy="1180346"/>
+              <a:off x="3029089" y="3586295"/>
+              <a:ext cx="1990687" cy="1286718"/>
             </a:xfrm>
             <a:prstGeom prst="bentConnector3">
-              <a:avLst/>
+              <a:avLst>
+                <a:gd name="adj1" fmla="val 40430"/>
+              </a:avLst>
             </a:prstGeom>
             <a:ln>
               <a:tailEnd type="triangle"/>
@@ -13374,8 +13557,8 @@
         </p:nvSpPr>
         <p:spPr>
           <a:xfrm>
-            <a:off x="8493145" y="2287507"/>
-            <a:ext cx="1336456" cy="369332"/>
+            <a:off x="8501693" y="2847630"/>
+            <a:ext cx="997645" cy="369332"/>
           </a:xfrm>
           <a:prstGeom prst="rect">
             <a:avLst/>
@@ -13390,7 +13573,7 @@
           <a:p>
             <a:r>
               <a:rPr lang="en-US" altLang="zh-CN" dirty="0"/>
-              <a:t>Canada Post</a:t>
+              <a:t>Resident</a:t>
             </a:r>
             <a:endParaRPr lang="en-CA" dirty="0"/>
           </a:p>
@@ -13410,8 +13593,8 @@
         </p:nvSpPr>
         <p:spPr>
           <a:xfrm>
-            <a:off x="8493145" y="2752234"/>
-            <a:ext cx="1336456" cy="369332"/>
+            <a:off x="8501693" y="3706210"/>
+            <a:ext cx="1888081" cy="369332"/>
           </a:xfrm>
           <a:prstGeom prst="rect">
             <a:avLst/>
@@ -13426,115 +13609,7 @@
           <a:p>
             <a:r>
               <a:rPr lang="en-US" altLang="zh-CN" dirty="0"/>
-              <a:t>Canada Post</a:t>
-            </a:r>
-            <a:endParaRPr lang="en-CA" dirty="0"/>
-          </a:p>
-        </p:txBody>
-      </p:sp>
-      <p:sp>
-        <p:nvSpPr>
-          <p:cNvPr id="64" name="TextBox 63">
-            <a:extLst>
-              <a:ext uri="{FF2B5EF4-FFF2-40B4-BE49-F238E27FC236}">
-                <a16:creationId xmlns:a16="http://schemas.microsoft.com/office/drawing/2014/main" id="{CDCBC96E-EAD2-443F-B9E3-C6E02ED83352}"/>
-              </a:ext>
-            </a:extLst>
-          </p:cNvPr>
-          <p:cNvSpPr txBox="1"/>
-          <p:nvPr/>
-        </p:nvSpPr>
-        <p:spPr>
-          <a:xfrm>
-            <a:off x="8493145" y="3216961"/>
-            <a:ext cx="1336456" cy="369332"/>
-          </a:xfrm>
-          <a:prstGeom prst="rect">
-            <a:avLst/>
-          </a:prstGeom>
-          <a:noFill/>
-        </p:spPr>
-        <p:txBody>
-          <a:bodyPr wrap="none" rtlCol="0">
-            <a:spAutoFit/>
-          </a:bodyPr>
-          <a:lstStyle/>
-          <a:p>
-            <a:r>
-              <a:rPr lang="en-US" altLang="zh-CN" dirty="0"/>
-              <a:t>Canada Post</a:t>
-            </a:r>
-            <a:endParaRPr lang="en-CA" dirty="0"/>
-          </a:p>
-        </p:txBody>
-      </p:sp>
-      <p:sp>
-        <p:nvSpPr>
-          <p:cNvPr id="65" name="TextBox 64">
-            <a:extLst>
-              <a:ext uri="{FF2B5EF4-FFF2-40B4-BE49-F238E27FC236}">
-                <a16:creationId xmlns:a16="http://schemas.microsoft.com/office/drawing/2014/main" id="{16E6BB3D-2C3C-4E07-BEA5-5945DD9B849A}"/>
-              </a:ext>
-            </a:extLst>
-          </p:cNvPr>
-          <p:cNvSpPr txBox="1"/>
-          <p:nvPr/>
-        </p:nvSpPr>
-        <p:spPr>
-          <a:xfrm>
-            <a:off x="8493145" y="3681688"/>
-            <a:ext cx="1336456" cy="369332"/>
-          </a:xfrm>
-          <a:prstGeom prst="rect">
-            <a:avLst/>
-          </a:prstGeom>
-          <a:noFill/>
-        </p:spPr>
-        <p:txBody>
-          <a:bodyPr wrap="none" rtlCol="0">
-            <a:spAutoFit/>
-          </a:bodyPr>
-          <a:lstStyle/>
-          <a:p>
-            <a:r>
-              <a:rPr lang="en-US" altLang="zh-CN" dirty="0"/>
-              <a:t>Canada Post</a:t>
-            </a:r>
-            <a:endParaRPr lang="en-CA" dirty="0"/>
-          </a:p>
-        </p:txBody>
-      </p:sp>
-      <p:sp>
-        <p:nvSpPr>
-          <p:cNvPr id="66" name="TextBox 65">
-            <a:extLst>
-              <a:ext uri="{FF2B5EF4-FFF2-40B4-BE49-F238E27FC236}">
-                <a16:creationId xmlns:a16="http://schemas.microsoft.com/office/drawing/2014/main" id="{B1FB4856-073B-490F-A06C-4B05CB8533B6}"/>
-              </a:ext>
-            </a:extLst>
-          </p:cNvPr>
-          <p:cNvSpPr txBox="1"/>
-          <p:nvPr/>
-        </p:nvSpPr>
-        <p:spPr>
-          <a:xfrm>
-            <a:off x="8493145" y="4146416"/>
-            <a:ext cx="1336456" cy="369332"/>
-          </a:xfrm>
-          <a:prstGeom prst="rect">
-            <a:avLst/>
-          </a:prstGeom>
-          <a:noFill/>
-        </p:spPr>
-        <p:txBody>
-          <a:bodyPr wrap="none" rtlCol="0">
-            <a:spAutoFit/>
-          </a:bodyPr>
-          <a:lstStyle/>
-          <a:p>
-            <a:r>
-              <a:rPr lang="en-US" altLang="zh-CN" dirty="0"/>
-              <a:t>Canada Post</a:t>
+              <a:t>Delivery Company</a:t>
             </a:r>
             <a:endParaRPr lang="en-CA" dirty="0"/>
           </a:p>
@@ -13554,7 +13629,7 @@
         </p:nvSpPr>
         <p:spPr>
           <a:xfrm>
-            <a:off x="8985928" y="4668148"/>
+            <a:off x="8994476" y="4375910"/>
             <a:ext cx="513410" cy="409728"/>
           </a:xfrm>
           <a:prstGeom prst="rect">
@@ -13587,55 +13662,15 @@
           </p:cNvPr>
           <p:cNvCxnSpPr>
             <a:cxnSpLocks/>
+            <a:stCxn id="3" idx="3"/>
             <a:endCxn id="62" idx="1"/>
           </p:cNvCxnSpPr>
           <p:nvPr/>
         </p:nvCxnSpPr>
         <p:spPr>
           <a:xfrm flipV="1">
-            <a:off x="6790267" y="2472173"/>
-            <a:ext cx="1702878" cy="1114121"/>
-          </a:xfrm>
-          <a:prstGeom prst="bentConnector3">
-            <a:avLst/>
-          </a:prstGeom>
-          <a:ln>
-            <a:tailEnd type="triangle"/>
-          </a:ln>
-        </p:spPr>
-        <p:style>
-          <a:lnRef idx="1">
-            <a:schemeClr val="accent1"/>
-          </a:lnRef>
-          <a:fillRef idx="0">
-            <a:schemeClr val="accent1"/>
-          </a:fillRef>
-          <a:effectRef idx="0">
-            <a:schemeClr val="accent1"/>
-          </a:effectRef>
-          <a:fontRef idx="minor">
-            <a:schemeClr val="tx1"/>
-          </a:fontRef>
-        </p:style>
-      </p:cxnSp>
-      <p:cxnSp>
-        <p:nvCxnSpPr>
-          <p:cNvPr id="82" name="Connector: Elbow 81">
-            <a:extLst>
-              <a:ext uri="{FF2B5EF4-FFF2-40B4-BE49-F238E27FC236}">
-                <a16:creationId xmlns:a16="http://schemas.microsoft.com/office/drawing/2014/main" id="{3B8672E5-4E93-4629-B6CE-910D68194C2F}"/>
-              </a:ext>
-            </a:extLst>
-          </p:cNvPr>
-          <p:cNvCxnSpPr>
-            <a:cxnSpLocks/>
-          </p:cNvCxnSpPr>
-          <p:nvPr/>
-        </p:nvCxnSpPr>
-        <p:spPr>
-          <a:xfrm>
-            <a:off x="6832721" y="3586292"/>
-            <a:ext cx="1617970" cy="1307441"/>
+            <a:off x="6755982" y="3032296"/>
+            <a:ext cx="1745711" cy="553997"/>
           </a:xfrm>
           <a:prstGeom prst="bentConnector3">
             <a:avLst/>
@@ -13670,14 +13705,15 @@
           </p:cNvPr>
           <p:cNvCxnSpPr>
             <a:cxnSpLocks/>
+            <a:stCxn id="3" idx="3"/>
             <a:endCxn id="63" idx="1"/>
           </p:cNvCxnSpPr>
           <p:nvPr/>
         </p:nvCxnSpPr>
         <p:spPr>
-          <a:xfrm flipV="1">
-            <a:off x="6798436" y="2936900"/>
-            <a:ext cx="1694709" cy="649394"/>
+          <a:xfrm>
+            <a:off x="6755982" y="3586293"/>
+            <a:ext cx="1745711" cy="304583"/>
           </a:xfrm>
           <a:prstGeom prst="bentConnector3">
             <a:avLst/>
@@ -13701,70 +13737,66 @@
           </a:fontRef>
         </p:style>
       </p:cxnSp>
+      <p:sp>
+        <p:nvSpPr>
+          <p:cNvPr id="14" name="TextBox 13">
+            <a:extLst>
+              <a:ext uri="{FF2B5EF4-FFF2-40B4-BE49-F238E27FC236}">
+                <a16:creationId xmlns:a16="http://schemas.microsoft.com/office/drawing/2014/main" id="{39C2290B-B3AE-4BD5-B4B5-9E0805DD90CB}"/>
+              </a:ext>
+            </a:extLst>
+          </p:cNvPr>
+          <p:cNvSpPr txBox="1"/>
+          <p:nvPr/>
+        </p:nvSpPr>
+        <p:spPr>
+          <a:xfrm>
+            <a:off x="5695212" y="2549220"/>
+            <a:ext cx="646331" cy="369332"/>
+          </a:xfrm>
+          <a:prstGeom prst="rect">
+            <a:avLst/>
+          </a:prstGeom>
+          <a:noFill/>
+        </p:spPr>
+        <p:txBody>
+          <a:bodyPr wrap="none" rtlCol="0">
+            <a:spAutoFit/>
+          </a:bodyPr>
+          <a:lstStyle/>
+          <a:p>
+            <a:r>
+              <a:rPr lang="zh-CN" altLang="en-US" dirty="0"/>
+              <a:t>咽喉</a:t>
+            </a:r>
+            <a:endParaRPr lang="en-CA" dirty="0"/>
+          </a:p>
+        </p:txBody>
+      </p:sp>
       <p:cxnSp>
         <p:nvCxnSpPr>
-          <p:cNvPr id="93" name="Connector: Elbow 92">
+          <p:cNvPr id="44" name="Connector: Elbow 43">
             <a:extLst>
               <a:ext uri="{FF2B5EF4-FFF2-40B4-BE49-F238E27FC236}">
-                <a16:creationId xmlns:a16="http://schemas.microsoft.com/office/drawing/2014/main" id="{02620C91-FE70-4D87-94A2-03FD808217D2}"/>
+                <a16:creationId xmlns:a16="http://schemas.microsoft.com/office/drawing/2014/main" id="{858BE342-22CB-46C2-800E-F17FCED3FCA9}"/>
               </a:ext>
             </a:extLst>
           </p:cNvPr>
           <p:cNvCxnSpPr>
             <a:cxnSpLocks/>
-          </p:cNvCxnSpPr>
-          <p:nvPr/>
-        </p:nvCxnSpPr>
-        <p:spPr>
-          <a:xfrm flipV="1">
-            <a:off x="6832721" y="3401628"/>
-            <a:ext cx="1617970" cy="184664"/>
-          </a:xfrm>
-          <a:prstGeom prst="bentConnector3">
-            <a:avLst/>
-          </a:prstGeom>
-          <a:ln>
-            <a:tailEnd type="triangle"/>
-          </a:ln>
-        </p:spPr>
-        <p:style>
-          <a:lnRef idx="1">
-            <a:schemeClr val="accent1"/>
-          </a:lnRef>
-          <a:fillRef idx="0">
-            <a:schemeClr val="accent1"/>
-          </a:fillRef>
-          <a:effectRef idx="0">
-            <a:schemeClr val="accent1"/>
-          </a:effectRef>
-          <a:fontRef idx="minor">
-            <a:schemeClr val="tx1"/>
-          </a:fontRef>
-        </p:style>
-      </p:cxnSp>
-      <p:cxnSp>
-        <p:nvCxnSpPr>
-          <p:cNvPr id="96" name="Connector: Elbow 95">
-            <a:extLst>
-              <a:ext uri="{FF2B5EF4-FFF2-40B4-BE49-F238E27FC236}">
-                <a16:creationId xmlns:a16="http://schemas.microsoft.com/office/drawing/2014/main" id="{8F5975F9-000A-4BA4-847C-E35A295E3193}"/>
-              </a:ext>
-            </a:extLst>
-          </p:cNvPr>
-          <p:cNvCxnSpPr>
-            <a:cxnSpLocks/>
-            <a:endCxn id="65" idx="1"/>
+            <a:stCxn id="3" idx="3"/>
+            <a:endCxn id="67" idx="1"/>
           </p:cNvCxnSpPr>
           <p:nvPr/>
         </p:nvCxnSpPr>
         <p:spPr>
           <a:xfrm>
-            <a:off x="6832721" y="3586294"/>
-            <a:ext cx="1660424" cy="280060"/>
+            <a:off x="6755982" y="3586293"/>
+            <a:ext cx="2238494" cy="994481"/>
           </a:xfrm>
           <a:prstGeom prst="bentConnector3">
             <a:avLst>
-              <a:gd name="adj1" fmla="val 48980"/>
+              <a:gd name="adj1" fmla="val 38653"/>
             </a:avLst>
           </a:prstGeom>
           <a:ln>
@@ -13786,50 +13818,34 @@
           </a:fontRef>
         </p:style>
       </p:cxnSp>
-      <p:cxnSp>
-        <p:nvCxnSpPr>
-          <p:cNvPr id="100" name="Connector: Elbow 99">
+      <p:sp>
+        <p:nvSpPr>
+          <p:cNvPr id="39" name="Footer Placeholder 38">
             <a:extLst>
               <a:ext uri="{FF2B5EF4-FFF2-40B4-BE49-F238E27FC236}">
-                <a16:creationId xmlns:a16="http://schemas.microsoft.com/office/drawing/2014/main" id="{FABB1FE8-5316-4D9A-9F4A-1DD1E2D8CE9E}"/>
+                <a16:creationId xmlns:a16="http://schemas.microsoft.com/office/drawing/2014/main" id="{619AC36F-C2F5-482C-9906-C59675E617BA}"/>
               </a:ext>
             </a:extLst>
           </p:cNvPr>
-          <p:cNvCxnSpPr>
-            <a:cxnSpLocks/>
-            <a:endCxn id="66" idx="1"/>
-          </p:cNvCxnSpPr>
-          <p:nvPr/>
-        </p:nvCxnSpPr>
-        <p:spPr>
-          <a:xfrm>
-            <a:off x="6832721" y="3586294"/>
-            <a:ext cx="1660424" cy="744788"/>
-          </a:xfrm>
-          <a:prstGeom prst="bentConnector3">
-            <a:avLst>
-              <a:gd name="adj1" fmla="val 48470"/>
-            </a:avLst>
-          </a:prstGeom>
-          <a:ln>
-            <a:tailEnd type="triangle"/>
-          </a:ln>
-        </p:spPr>
-        <p:style>
-          <a:lnRef idx="1">
-            <a:schemeClr val="accent1"/>
-          </a:lnRef>
-          <a:fillRef idx="0">
-            <a:schemeClr val="accent1"/>
-          </a:fillRef>
-          <a:effectRef idx="0">
-            <a:schemeClr val="accent1"/>
-          </a:effectRef>
-          <a:fontRef idx="minor">
-            <a:schemeClr val="tx1"/>
-          </a:fontRef>
-        </p:style>
-      </p:cxnSp>
+          <p:cNvSpPr>
+            <a:spLocks noGrp="1"/>
+          </p:cNvSpPr>
+          <p:nvPr>
+            <p:ph type="ftr" sz="quarter" idx="11"/>
+          </p:nvPr>
+        </p:nvSpPr>
+        <p:spPr/>
+        <p:txBody>
+          <a:bodyPr/>
+          <a:lstStyle/>
+          <a:p>
+            <a:r>
+              <a:rPr lang="en-US"/>
+              <a:t>Zyanzoom Inc.</a:t>
+            </a:r>
+          </a:p>
+        </p:txBody>
+      </p:sp>
     </p:spTree>
     <p:extLst>
       <p:ext uri="{BB962C8B-B14F-4D97-AF65-F5344CB8AC3E}">
@@ -14111,6 +14127,34 @@
           </a:fontRef>
         </p:style>
       </p:cxnSp>
+      <p:sp>
+        <p:nvSpPr>
+          <p:cNvPr id="3" name="Footer Placeholder 2">
+            <a:extLst>
+              <a:ext uri="{FF2B5EF4-FFF2-40B4-BE49-F238E27FC236}">
+                <a16:creationId xmlns:a16="http://schemas.microsoft.com/office/drawing/2014/main" id="{2F45FC3B-090C-449F-81FE-1554EDB63C2B}"/>
+              </a:ext>
+            </a:extLst>
+          </p:cNvPr>
+          <p:cNvSpPr>
+            <a:spLocks noGrp="1"/>
+          </p:cNvSpPr>
+          <p:nvPr>
+            <p:ph type="ftr" sz="quarter" idx="11"/>
+          </p:nvPr>
+        </p:nvSpPr>
+        <p:spPr/>
+        <p:txBody>
+          <a:bodyPr/>
+          <a:lstStyle/>
+          <a:p>
+            <a:r>
+              <a:rPr lang="en-US"/>
+              <a:t>Zyanzoom Inc.</a:t>
+            </a:r>
+          </a:p>
+        </p:txBody>
+      </p:sp>
     </p:spTree>
     <p:extLst>
       <p:ext uri="{BB962C8B-B14F-4D97-AF65-F5344CB8AC3E}">
@@ -14164,7 +14208,7 @@
           <a:p>
             <a:r>
               <a:rPr lang="zh-CN" altLang="en-US" dirty="0"/>
-              <a:t>这不是一个蓝海市场</a:t>
+              <a:t>竞品分析</a:t>
             </a:r>
             <a:endParaRPr lang="en-US" dirty="0"/>
           </a:p>
@@ -14311,6 +14355,34 @@
               <a:t>box</a:t>
             </a:r>
             <a:endParaRPr lang="en-US" dirty="0"/>
+          </a:p>
+        </p:txBody>
+      </p:sp>
+      <p:sp>
+        <p:nvSpPr>
+          <p:cNvPr id="3" name="Footer Placeholder 2">
+            <a:extLst>
+              <a:ext uri="{FF2B5EF4-FFF2-40B4-BE49-F238E27FC236}">
+                <a16:creationId xmlns:a16="http://schemas.microsoft.com/office/drawing/2014/main" id="{5F2AF2D1-23F0-479B-BB81-2248B9A940E2}"/>
+              </a:ext>
+            </a:extLst>
+          </p:cNvPr>
+          <p:cNvSpPr>
+            <a:spLocks noGrp="1"/>
+          </p:cNvSpPr>
+          <p:nvPr>
+            <p:ph type="ftr" sz="quarter" idx="11"/>
+          </p:nvPr>
+        </p:nvSpPr>
+        <p:spPr/>
+        <p:txBody>
+          <a:bodyPr/>
+          <a:lstStyle/>
+          <a:p>
+            <a:r>
+              <a:rPr lang="en-US"/>
+              <a:t>Zyanzoom Inc.</a:t>
+            </a:r>
           </a:p>
         </p:txBody>
       </p:sp>
@@ -14679,6 +14751,34 @@
           </a:p>
         </p:txBody>
       </p:sp>
+      <p:sp>
+        <p:nvSpPr>
+          <p:cNvPr id="3" name="Footer Placeholder 2">
+            <a:extLst>
+              <a:ext uri="{FF2B5EF4-FFF2-40B4-BE49-F238E27FC236}">
+                <a16:creationId xmlns:a16="http://schemas.microsoft.com/office/drawing/2014/main" id="{F402F59A-9119-4D3E-9CA8-697975AFF7D8}"/>
+              </a:ext>
+            </a:extLst>
+          </p:cNvPr>
+          <p:cNvSpPr>
+            <a:spLocks noGrp="1"/>
+          </p:cNvSpPr>
+          <p:nvPr>
+            <p:ph type="ftr" sz="quarter" idx="11"/>
+          </p:nvPr>
+        </p:nvSpPr>
+        <p:spPr/>
+        <p:txBody>
+          <a:bodyPr/>
+          <a:lstStyle/>
+          <a:p>
+            <a:r>
+              <a:rPr lang="en-US"/>
+              <a:t>Zyanzoom Inc.</a:t>
+            </a:r>
+          </a:p>
+        </p:txBody>
+      </p:sp>
     </p:spTree>
     <p:extLst>
       <p:ext uri="{BB962C8B-B14F-4D97-AF65-F5344CB8AC3E}">
@@ -14784,6 +14884,34 @@
           </a:p>
         </p:txBody>
       </p:sp>
+      <p:sp>
+        <p:nvSpPr>
+          <p:cNvPr id="4" name="Footer Placeholder 3">
+            <a:extLst>
+              <a:ext uri="{FF2B5EF4-FFF2-40B4-BE49-F238E27FC236}">
+                <a16:creationId xmlns:a16="http://schemas.microsoft.com/office/drawing/2014/main" id="{3E7BC484-3F74-4AF8-9BB1-5BDD98AEC702}"/>
+              </a:ext>
+            </a:extLst>
+          </p:cNvPr>
+          <p:cNvSpPr>
+            <a:spLocks noGrp="1"/>
+          </p:cNvSpPr>
+          <p:nvPr>
+            <p:ph type="ftr" sz="quarter" idx="11"/>
+          </p:nvPr>
+        </p:nvSpPr>
+        <p:spPr/>
+        <p:txBody>
+          <a:bodyPr/>
+          <a:lstStyle/>
+          <a:p>
+            <a:r>
+              <a:rPr lang="en-US"/>
+              <a:t>Zyanzoom Inc.</a:t>
+            </a:r>
+          </a:p>
+        </p:txBody>
+      </p:sp>
     </p:spTree>
     <p:extLst>
       <p:ext uri="{BB962C8B-B14F-4D97-AF65-F5344CB8AC3E}">
@@ -15029,6 +15157,34 @@
           </a:p>
         </p:txBody>
       </p:sp>
+      <p:sp>
+        <p:nvSpPr>
+          <p:cNvPr id="3" name="Footer Placeholder 2">
+            <a:extLst>
+              <a:ext uri="{FF2B5EF4-FFF2-40B4-BE49-F238E27FC236}">
+                <a16:creationId xmlns:a16="http://schemas.microsoft.com/office/drawing/2014/main" id="{D87834E6-10EC-47FE-83B8-3C3C93E3AC79}"/>
+              </a:ext>
+            </a:extLst>
+          </p:cNvPr>
+          <p:cNvSpPr>
+            <a:spLocks noGrp="1"/>
+          </p:cNvSpPr>
+          <p:nvPr>
+            <p:ph type="ftr" sz="quarter" idx="11"/>
+          </p:nvPr>
+        </p:nvSpPr>
+        <p:spPr/>
+        <p:txBody>
+          <a:bodyPr/>
+          <a:lstStyle/>
+          <a:p>
+            <a:r>
+              <a:rPr lang="en-US"/>
+              <a:t>Zyanzoom Inc.</a:t>
+            </a:r>
+          </a:p>
+        </p:txBody>
+      </p:sp>
     </p:spTree>
     <p:extLst>
       <p:ext uri="{BB962C8B-B14F-4D97-AF65-F5344CB8AC3E}">
@@ -15420,6 +15576,34 @@
           </a:p>
         </p:txBody>
       </p:sp>
+      <p:sp>
+        <p:nvSpPr>
+          <p:cNvPr id="3" name="Footer Placeholder 2">
+            <a:extLst>
+              <a:ext uri="{FF2B5EF4-FFF2-40B4-BE49-F238E27FC236}">
+                <a16:creationId xmlns:a16="http://schemas.microsoft.com/office/drawing/2014/main" id="{A480D224-746A-489C-963F-917FA35B3A51}"/>
+              </a:ext>
+            </a:extLst>
+          </p:cNvPr>
+          <p:cNvSpPr>
+            <a:spLocks noGrp="1"/>
+          </p:cNvSpPr>
+          <p:nvPr>
+            <p:ph type="ftr" sz="quarter" idx="11"/>
+          </p:nvPr>
+        </p:nvSpPr>
+        <p:spPr/>
+        <p:txBody>
+          <a:bodyPr/>
+          <a:lstStyle/>
+          <a:p>
+            <a:r>
+              <a:rPr lang="en-US"/>
+              <a:t>Zyanzoom Inc.</a:t>
+            </a:r>
+          </a:p>
+        </p:txBody>
+      </p:sp>
     </p:spTree>
     <p:extLst>
       <p:ext uri="{BB962C8B-B14F-4D97-AF65-F5344CB8AC3E}">
@@ -15893,6 +16077,34 @@
           </a:p>
         </p:txBody>
       </p:sp>
+      <p:sp>
+        <p:nvSpPr>
+          <p:cNvPr id="3" name="Footer Placeholder 2">
+            <a:extLst>
+              <a:ext uri="{FF2B5EF4-FFF2-40B4-BE49-F238E27FC236}">
+                <a16:creationId xmlns:a16="http://schemas.microsoft.com/office/drawing/2014/main" id="{0971F10F-BC8A-4F46-A036-E704F07DE531}"/>
+              </a:ext>
+            </a:extLst>
+          </p:cNvPr>
+          <p:cNvSpPr>
+            <a:spLocks noGrp="1"/>
+          </p:cNvSpPr>
+          <p:nvPr>
+            <p:ph type="ftr" sz="quarter" idx="11"/>
+          </p:nvPr>
+        </p:nvSpPr>
+        <p:spPr/>
+        <p:txBody>
+          <a:bodyPr/>
+          <a:lstStyle/>
+          <a:p>
+            <a:r>
+              <a:rPr lang="en-US"/>
+              <a:t>Zyanzoom Inc.</a:t>
+            </a:r>
+          </a:p>
+        </p:txBody>
+      </p:sp>
     </p:spTree>
     <p:extLst>
       <p:ext uri="{BB962C8B-B14F-4D97-AF65-F5344CB8AC3E}">
@@ -15995,6 +16207,34 @@
           </a:p>
         </p:txBody>
       </p:sp>
+      <p:sp>
+        <p:nvSpPr>
+          <p:cNvPr id="4" name="Footer Placeholder 3">
+            <a:extLst>
+              <a:ext uri="{FF2B5EF4-FFF2-40B4-BE49-F238E27FC236}">
+                <a16:creationId xmlns:a16="http://schemas.microsoft.com/office/drawing/2014/main" id="{B2B3DAE7-A9BC-49B1-9FF7-05C89224E584}"/>
+              </a:ext>
+            </a:extLst>
+          </p:cNvPr>
+          <p:cNvSpPr>
+            <a:spLocks noGrp="1"/>
+          </p:cNvSpPr>
+          <p:nvPr>
+            <p:ph type="ftr" sz="quarter" idx="11"/>
+          </p:nvPr>
+        </p:nvSpPr>
+        <p:spPr/>
+        <p:txBody>
+          <a:bodyPr/>
+          <a:lstStyle/>
+          <a:p>
+            <a:r>
+              <a:rPr lang="en-US"/>
+              <a:t>Zyanzoom Inc.</a:t>
+            </a:r>
+          </a:p>
+        </p:txBody>
+      </p:sp>
     </p:spTree>
     <p:extLst>
       <p:ext uri="{BB962C8B-B14F-4D97-AF65-F5344CB8AC3E}">
@@ -16083,6 +16323,34 @@
           </a:p>
         </p:txBody>
       </p:sp>
+      <p:sp>
+        <p:nvSpPr>
+          <p:cNvPr id="4" name="Footer Placeholder 3">
+            <a:extLst>
+              <a:ext uri="{FF2B5EF4-FFF2-40B4-BE49-F238E27FC236}">
+                <a16:creationId xmlns:a16="http://schemas.microsoft.com/office/drawing/2014/main" id="{2F471F90-5FCE-4481-9EBF-D3FDD3DC8BF9}"/>
+              </a:ext>
+            </a:extLst>
+          </p:cNvPr>
+          <p:cNvSpPr>
+            <a:spLocks noGrp="1"/>
+          </p:cNvSpPr>
+          <p:nvPr>
+            <p:ph type="ftr" sz="quarter" idx="11"/>
+          </p:nvPr>
+        </p:nvSpPr>
+        <p:spPr/>
+        <p:txBody>
+          <a:bodyPr/>
+          <a:lstStyle/>
+          <a:p>
+            <a:r>
+              <a:rPr lang="en-US"/>
+              <a:t>Zyanzoom Inc.</a:t>
+            </a:r>
+          </a:p>
+        </p:txBody>
+      </p:sp>
     </p:spTree>
     <p:extLst>
       <p:ext uri="{BB962C8B-B14F-4D97-AF65-F5344CB8AC3E}">
@@ -16185,6 +16453,34 @@
           </a:p>
         </p:txBody>
       </p:sp>
+      <p:sp>
+        <p:nvSpPr>
+          <p:cNvPr id="4" name="Footer Placeholder 3">
+            <a:extLst>
+              <a:ext uri="{FF2B5EF4-FFF2-40B4-BE49-F238E27FC236}">
+                <a16:creationId xmlns:a16="http://schemas.microsoft.com/office/drawing/2014/main" id="{A73C1D42-50A0-432E-A080-4DAF8587ECFE}"/>
+              </a:ext>
+            </a:extLst>
+          </p:cNvPr>
+          <p:cNvSpPr>
+            <a:spLocks noGrp="1"/>
+          </p:cNvSpPr>
+          <p:nvPr>
+            <p:ph type="ftr" sz="quarter" idx="11"/>
+          </p:nvPr>
+        </p:nvSpPr>
+        <p:spPr/>
+        <p:txBody>
+          <a:bodyPr/>
+          <a:lstStyle/>
+          <a:p>
+            <a:r>
+              <a:rPr lang="en-US"/>
+              <a:t>Zyanzoom Inc.</a:t>
+            </a:r>
+          </a:p>
+        </p:txBody>
+      </p:sp>
     </p:spTree>
     <p:extLst>
       <p:ext uri="{BB962C8B-B14F-4D97-AF65-F5344CB8AC3E}">
@@ -16273,6 +16569,34 @@
           </a:p>
         </p:txBody>
       </p:sp>
+      <p:sp>
+        <p:nvSpPr>
+          <p:cNvPr id="4" name="Footer Placeholder 3">
+            <a:extLst>
+              <a:ext uri="{FF2B5EF4-FFF2-40B4-BE49-F238E27FC236}">
+                <a16:creationId xmlns:a16="http://schemas.microsoft.com/office/drawing/2014/main" id="{086A24AF-2358-457E-835D-C437A47ED47C}"/>
+              </a:ext>
+            </a:extLst>
+          </p:cNvPr>
+          <p:cNvSpPr>
+            <a:spLocks noGrp="1"/>
+          </p:cNvSpPr>
+          <p:nvPr>
+            <p:ph type="ftr" sz="quarter" idx="11"/>
+          </p:nvPr>
+        </p:nvSpPr>
+        <p:spPr/>
+        <p:txBody>
+          <a:bodyPr/>
+          <a:lstStyle/>
+          <a:p>
+            <a:r>
+              <a:rPr lang="en-US"/>
+              <a:t>Zyanzoom Inc.</a:t>
+            </a:r>
+          </a:p>
+        </p:txBody>
+      </p:sp>
     </p:spTree>
     <p:extLst>
       <p:ext uri="{BB962C8B-B14F-4D97-AF65-F5344CB8AC3E}">
@@ -16361,6 +16685,34 @@
           </a:p>
         </p:txBody>
       </p:sp>
+      <p:sp>
+        <p:nvSpPr>
+          <p:cNvPr id="4" name="Footer Placeholder 3">
+            <a:extLst>
+              <a:ext uri="{FF2B5EF4-FFF2-40B4-BE49-F238E27FC236}">
+                <a16:creationId xmlns:a16="http://schemas.microsoft.com/office/drawing/2014/main" id="{50D9A9A5-70ED-4703-91F3-4FE5AE9CAF1D}"/>
+              </a:ext>
+            </a:extLst>
+          </p:cNvPr>
+          <p:cNvSpPr>
+            <a:spLocks noGrp="1"/>
+          </p:cNvSpPr>
+          <p:nvPr>
+            <p:ph type="ftr" sz="quarter" idx="11"/>
+          </p:nvPr>
+        </p:nvSpPr>
+        <p:spPr/>
+        <p:txBody>
+          <a:bodyPr/>
+          <a:lstStyle/>
+          <a:p>
+            <a:r>
+              <a:rPr lang="en-US"/>
+              <a:t>Zyanzoom Inc.</a:t>
+            </a:r>
+          </a:p>
+        </p:txBody>
+      </p:sp>
     </p:spTree>
     <p:extLst>
       <p:ext uri="{BB962C8B-B14F-4D97-AF65-F5344CB8AC3E}">
@@ -16449,6 +16801,34 @@
           </a:p>
         </p:txBody>
       </p:sp>
+      <p:sp>
+        <p:nvSpPr>
+          <p:cNvPr id="4" name="Footer Placeholder 3">
+            <a:extLst>
+              <a:ext uri="{FF2B5EF4-FFF2-40B4-BE49-F238E27FC236}">
+                <a16:creationId xmlns:a16="http://schemas.microsoft.com/office/drawing/2014/main" id="{ECFC4881-5239-4A0A-8F22-12D70155FAC5}"/>
+              </a:ext>
+            </a:extLst>
+          </p:cNvPr>
+          <p:cNvSpPr>
+            <a:spLocks noGrp="1"/>
+          </p:cNvSpPr>
+          <p:nvPr>
+            <p:ph type="ftr" sz="quarter" idx="11"/>
+          </p:nvPr>
+        </p:nvSpPr>
+        <p:spPr/>
+        <p:txBody>
+          <a:bodyPr/>
+          <a:lstStyle/>
+          <a:p>
+            <a:r>
+              <a:rPr lang="en-US"/>
+              <a:t>Zyanzoom Inc.</a:t>
+            </a:r>
+          </a:p>
+        </p:txBody>
+      </p:sp>
     </p:spTree>
     <p:extLst>
       <p:ext uri="{BB962C8B-B14F-4D97-AF65-F5344CB8AC3E}">
@@ -16508,6 +16888,34 @@
           </a:p>
         </p:txBody>
       </p:sp>
+      <p:sp>
+        <p:nvSpPr>
+          <p:cNvPr id="3" name="Footer Placeholder 2">
+            <a:extLst>
+              <a:ext uri="{FF2B5EF4-FFF2-40B4-BE49-F238E27FC236}">
+                <a16:creationId xmlns:a16="http://schemas.microsoft.com/office/drawing/2014/main" id="{96C322C5-CD1B-42CA-9CFC-FD04D6433F54}"/>
+              </a:ext>
+            </a:extLst>
+          </p:cNvPr>
+          <p:cNvSpPr>
+            <a:spLocks noGrp="1"/>
+          </p:cNvSpPr>
+          <p:nvPr>
+            <p:ph type="ftr" sz="quarter" idx="11"/>
+          </p:nvPr>
+        </p:nvSpPr>
+        <p:spPr/>
+        <p:txBody>
+          <a:bodyPr/>
+          <a:lstStyle/>
+          <a:p>
+            <a:r>
+              <a:rPr lang="en-US"/>
+              <a:t>Zyanzoom Inc.</a:t>
+            </a:r>
+          </a:p>
+        </p:txBody>
+      </p:sp>
     </p:spTree>
     <p:extLst>
       <p:ext uri="{BB962C8B-B14F-4D97-AF65-F5344CB8AC3E}">
@@ -16569,10 +16977,10 @@
       </p:sp>
       <p:sp>
         <p:nvSpPr>
-          <p:cNvPr id="3" name="Content Placeholder 2">
+          <p:cNvPr id="4" name="Footer Placeholder 3">
             <a:extLst>
               <a:ext uri="{FF2B5EF4-FFF2-40B4-BE49-F238E27FC236}">
-                <a16:creationId xmlns:a16="http://schemas.microsoft.com/office/drawing/2014/main" id="{1185907D-ECE7-764A-9136-43EBDC209914}"/>
+                <a16:creationId xmlns:a16="http://schemas.microsoft.com/office/drawing/2014/main" id="{09DF9865-44E3-46CB-930C-FFB819DA8276}"/>
               </a:ext>
             </a:extLst>
           </p:cNvPr>
@@ -16580,7 +16988,7 @@
             <a:spLocks noGrp="1"/>
           </p:cNvSpPr>
           <p:nvPr>
-            <p:ph idx="1"/>
+            <p:ph type="ftr" sz="quarter" idx="11"/>
           </p:nvPr>
         </p:nvSpPr>
         <p:spPr/>
@@ -16588,7 +16996,10 @@
           <a:bodyPr/>
           <a:lstStyle/>
           <a:p>
-            <a:endParaRPr lang="en-US"/>
+            <a:r>
+              <a:rPr lang="en-US"/>
+              <a:t>Zyanzoom Inc.</a:t>
+            </a:r>
           </a:p>
         </p:txBody>
       </p:sp>
@@ -16957,6 +17368,34 @@
           </a:p>
         </p:txBody>
       </p:sp>
+      <p:sp>
+        <p:nvSpPr>
+          <p:cNvPr id="3" name="Footer Placeholder 2">
+            <a:extLst>
+              <a:ext uri="{FF2B5EF4-FFF2-40B4-BE49-F238E27FC236}">
+                <a16:creationId xmlns:a16="http://schemas.microsoft.com/office/drawing/2014/main" id="{2BDDFCD7-0479-4341-9DA9-890CA2744963}"/>
+              </a:ext>
+            </a:extLst>
+          </p:cNvPr>
+          <p:cNvSpPr>
+            <a:spLocks noGrp="1"/>
+          </p:cNvSpPr>
+          <p:nvPr>
+            <p:ph type="ftr" sz="quarter" idx="11"/>
+          </p:nvPr>
+        </p:nvSpPr>
+        <p:spPr/>
+        <p:txBody>
+          <a:bodyPr/>
+          <a:lstStyle/>
+          <a:p>
+            <a:r>
+              <a:rPr lang="en-US"/>
+              <a:t>Zyanzoom Inc.</a:t>
+            </a:r>
+          </a:p>
+        </p:txBody>
+      </p:sp>
     </p:spTree>
     <p:extLst>
       <p:ext uri="{BB962C8B-B14F-4D97-AF65-F5344CB8AC3E}">
@@ -17003,14 +17442,19 @@
             <p:ph type="title"/>
           </p:nvPr>
         </p:nvSpPr>
-        <p:spPr/>
+        <p:spPr>
+          <a:xfrm>
+            <a:off x="5295900" y="2193925"/>
+            <a:ext cx="1485900" cy="1325563"/>
+          </a:xfrm>
+        </p:spPr>
         <p:txBody>
           <a:bodyPr/>
           <a:lstStyle/>
           <a:p>
             <a:r>
               <a:rPr lang="zh-CN" altLang="en-US" dirty="0"/>
-              <a:t>投资风险分析</a:t>
+              <a:t>谢谢</a:t>
             </a:r>
             <a:endParaRPr lang="en-US" dirty="0"/>
           </a:p>
@@ -17018,10 +17462,10 @@
       </p:sp>
       <p:sp>
         <p:nvSpPr>
-          <p:cNvPr id="3" name="Content Placeholder 2">
+          <p:cNvPr id="4" name="Footer Placeholder 3">
             <a:extLst>
               <a:ext uri="{FF2B5EF4-FFF2-40B4-BE49-F238E27FC236}">
-                <a16:creationId xmlns:a16="http://schemas.microsoft.com/office/drawing/2014/main" id="{D6851EBC-7C40-E748-AFDE-85027997B033}"/>
+                <a16:creationId xmlns:a16="http://schemas.microsoft.com/office/drawing/2014/main" id="{6FAA1E02-6C26-4149-A6CD-CD321D741CDB}"/>
               </a:ext>
             </a:extLst>
           </p:cNvPr>
@@ -17029,7 +17473,7 @@
             <a:spLocks noGrp="1"/>
           </p:cNvSpPr>
           <p:nvPr>
-            <p:ph idx="1"/>
+            <p:ph type="ftr" sz="quarter" idx="11"/>
           </p:nvPr>
         </p:nvSpPr>
         <p:spPr/>
@@ -17038,14 +17482,9 @@
           <a:lstStyle/>
           <a:p>
             <a:r>
-              <a:rPr lang="zh-CN" altLang="en-CA" dirty="0"/>
-              <a:t>投</a:t>
-            </a:r>
-            <a:r>
-              <a:rPr lang="zh-CN" altLang="en-US" dirty="0"/>
-              <a:t>前请仔细斟酌，投后请做好风险管理</a:t>
-            </a:r>
-            <a:endParaRPr lang="en-US" dirty="0"/>
+              <a:rPr lang="en-US"/>
+              <a:t>Zyanzoom Inc.</a:t>
+            </a:r>
           </a:p>
         </p:txBody>
       </p:sp>
@@ -17254,6 +17693,34 @@
               <a:t>不简单</a:t>
             </a:r>
             <a:endParaRPr lang="en-US" sz="2400" dirty="0"/>
+          </a:p>
+        </p:txBody>
+      </p:sp>
+      <p:sp>
+        <p:nvSpPr>
+          <p:cNvPr id="7" name="Footer Placeholder 6">
+            <a:extLst>
+              <a:ext uri="{FF2B5EF4-FFF2-40B4-BE49-F238E27FC236}">
+                <a16:creationId xmlns:a16="http://schemas.microsoft.com/office/drawing/2014/main" id="{62FEE5F1-4D81-4598-9416-4E75AF736747}"/>
+              </a:ext>
+            </a:extLst>
+          </p:cNvPr>
+          <p:cNvSpPr>
+            <a:spLocks noGrp="1"/>
+          </p:cNvSpPr>
+          <p:nvPr>
+            <p:ph type="ftr" sz="quarter" idx="11"/>
+          </p:nvPr>
+        </p:nvSpPr>
+        <p:spPr/>
+        <p:txBody>
+          <a:bodyPr/>
+          <a:lstStyle/>
+          <a:p>
+            <a:r>
+              <a:rPr lang="en-US"/>
+              <a:t>Zyanzoom Inc.</a:t>
+            </a:r>
           </a:p>
         </p:txBody>
       </p:sp>
@@ -17674,6 +18141,34 @@
           </a:fontRef>
         </p:style>
       </p:cxnSp>
+      <p:sp>
+        <p:nvSpPr>
+          <p:cNvPr id="3" name="Footer Placeholder 2">
+            <a:extLst>
+              <a:ext uri="{FF2B5EF4-FFF2-40B4-BE49-F238E27FC236}">
+                <a16:creationId xmlns:a16="http://schemas.microsoft.com/office/drawing/2014/main" id="{1B839428-2F05-4E89-83F0-753238923EDD}"/>
+              </a:ext>
+            </a:extLst>
+          </p:cNvPr>
+          <p:cNvSpPr>
+            <a:spLocks noGrp="1"/>
+          </p:cNvSpPr>
+          <p:nvPr>
+            <p:ph type="ftr" sz="quarter" idx="11"/>
+          </p:nvPr>
+        </p:nvSpPr>
+        <p:spPr/>
+        <p:txBody>
+          <a:bodyPr/>
+          <a:lstStyle/>
+          <a:p>
+            <a:r>
+              <a:rPr lang="en-US"/>
+              <a:t>Zyanzoom Inc.</a:t>
+            </a:r>
+          </a:p>
+        </p:txBody>
+      </p:sp>
     </p:spTree>
     <p:extLst>
       <p:ext uri="{BB962C8B-B14F-4D97-AF65-F5344CB8AC3E}">
@@ -18039,6 +18534,34 @@
           </a:p>
         </p:txBody>
       </p:sp>
+      <p:sp>
+        <p:nvSpPr>
+          <p:cNvPr id="3" name="Footer Placeholder 2">
+            <a:extLst>
+              <a:ext uri="{FF2B5EF4-FFF2-40B4-BE49-F238E27FC236}">
+                <a16:creationId xmlns:a16="http://schemas.microsoft.com/office/drawing/2014/main" id="{1D04D9FC-BA5A-4A1D-AE54-5CE455901D0A}"/>
+              </a:ext>
+            </a:extLst>
+          </p:cNvPr>
+          <p:cNvSpPr>
+            <a:spLocks noGrp="1"/>
+          </p:cNvSpPr>
+          <p:nvPr>
+            <p:ph type="ftr" sz="quarter" idx="11"/>
+          </p:nvPr>
+        </p:nvSpPr>
+        <p:spPr/>
+        <p:txBody>
+          <a:bodyPr/>
+          <a:lstStyle/>
+          <a:p>
+            <a:r>
+              <a:rPr lang="en-US"/>
+              <a:t>Zyanzoom Inc.</a:t>
+            </a:r>
+          </a:p>
+        </p:txBody>
+      </p:sp>
     </p:spTree>
     <p:extLst>
       <p:ext uri="{BB962C8B-B14F-4D97-AF65-F5344CB8AC3E}">
@@ -18209,6 +18732,34 @@
           </a:p>
         </p:txBody>
       </p:sp>
+      <p:sp>
+        <p:nvSpPr>
+          <p:cNvPr id="3" name="Footer Placeholder 2">
+            <a:extLst>
+              <a:ext uri="{FF2B5EF4-FFF2-40B4-BE49-F238E27FC236}">
+                <a16:creationId xmlns:a16="http://schemas.microsoft.com/office/drawing/2014/main" id="{BBB5D957-DE36-4946-B8AB-8ED9F83EA2ED}"/>
+              </a:ext>
+            </a:extLst>
+          </p:cNvPr>
+          <p:cNvSpPr>
+            <a:spLocks noGrp="1"/>
+          </p:cNvSpPr>
+          <p:nvPr>
+            <p:ph type="ftr" sz="quarter" idx="11"/>
+          </p:nvPr>
+        </p:nvSpPr>
+        <p:spPr/>
+        <p:txBody>
+          <a:bodyPr/>
+          <a:lstStyle/>
+          <a:p>
+            <a:r>
+              <a:rPr lang="en-US"/>
+              <a:t>Zyanzoom Inc.</a:t>
+            </a:r>
+          </a:p>
+        </p:txBody>
+      </p:sp>
     </p:spTree>
     <p:extLst>
       <p:ext uri="{BB962C8B-B14F-4D97-AF65-F5344CB8AC3E}">
@@ -18727,6 +19278,34 @@
           </a:p>
         </p:txBody>
       </p:sp>
+      <p:sp>
+        <p:nvSpPr>
+          <p:cNvPr id="3" name="Footer Placeholder 2">
+            <a:extLst>
+              <a:ext uri="{FF2B5EF4-FFF2-40B4-BE49-F238E27FC236}">
+                <a16:creationId xmlns:a16="http://schemas.microsoft.com/office/drawing/2014/main" id="{08804E91-0C14-43C9-B783-CABA8D76B776}"/>
+              </a:ext>
+            </a:extLst>
+          </p:cNvPr>
+          <p:cNvSpPr>
+            <a:spLocks noGrp="1"/>
+          </p:cNvSpPr>
+          <p:nvPr>
+            <p:ph type="ftr" sz="quarter" idx="11"/>
+          </p:nvPr>
+        </p:nvSpPr>
+        <p:spPr/>
+        <p:txBody>
+          <a:bodyPr/>
+          <a:lstStyle/>
+          <a:p>
+            <a:r>
+              <a:rPr lang="en-US"/>
+              <a:t>Zyanzoom Inc.</a:t>
+            </a:r>
+          </a:p>
+        </p:txBody>
+      </p:sp>
     </p:spTree>
     <p:extLst>
       <p:ext uri="{BB962C8B-B14F-4D97-AF65-F5344CB8AC3E}">
@@ -18819,6 +19398,34 @@
               <a:t>服务</a:t>
             </a:r>
             <a:endParaRPr lang="en-US" dirty="0"/>
+          </a:p>
+        </p:txBody>
+      </p:sp>
+      <p:sp>
+        <p:nvSpPr>
+          <p:cNvPr id="4" name="Footer Placeholder 3">
+            <a:extLst>
+              <a:ext uri="{FF2B5EF4-FFF2-40B4-BE49-F238E27FC236}">
+                <a16:creationId xmlns:a16="http://schemas.microsoft.com/office/drawing/2014/main" id="{0CEBE7CB-9555-4787-8443-96490755E354}"/>
+              </a:ext>
+            </a:extLst>
+          </p:cNvPr>
+          <p:cNvSpPr>
+            <a:spLocks noGrp="1"/>
+          </p:cNvSpPr>
+          <p:nvPr>
+            <p:ph type="ftr" sz="quarter" idx="11"/>
+          </p:nvPr>
+        </p:nvSpPr>
+        <p:spPr/>
+        <p:txBody>
+          <a:bodyPr/>
+          <a:lstStyle/>
+          <a:p>
+            <a:r>
+              <a:rPr lang="en-US"/>
+              <a:t>Zyanzoom Inc.</a:t>
+            </a:r>
           </a:p>
         </p:txBody>
       </p:sp>

--- a/智能快递柜ppt.pptx
+++ b/智能快递柜ppt.pptx
@@ -238,7 +238,7 @@
           <a:p>
             <a:fld id="{83AE493A-86E4-C24E-9ECF-1B5B8FD987C3}" type="datetimeFigureOut">
               <a:rPr lang="en-US" smtClean="0"/>
-              <a:t>11/17/2019</a:t>
+              <a:t>11/18/2019</a:t>
             </a:fld>
             <a:endParaRPr lang="en-US"/>
           </a:p>
@@ -8697,7 +8697,7 @@
           <a:p>
             <a:fld id="{6AD8B253-9E0B-4085-B1C9-C384F27586DD}" type="datetime1">
               <a:rPr lang="en-US" smtClean="0"/>
-              <a:t>11/17/2019</a:t>
+              <a:t>11/18/2019</a:t>
             </a:fld>
             <a:endParaRPr lang="en-US"/>
           </a:p>
@@ -8870,7 +8870,7 @@
           <a:p>
             <a:fld id="{5E7A333C-B261-4DCB-A80A-26B78F208613}" type="datetime1">
               <a:rPr lang="en-US" smtClean="0"/>
-              <a:t>11/17/2019</a:t>
+              <a:t>11/18/2019</a:t>
             </a:fld>
             <a:endParaRPr lang="en-US"/>
           </a:p>
@@ -9053,7 +9053,7 @@
           <a:p>
             <a:fld id="{31B705BC-2F40-4FF0-AD58-F93D3666C9EF}" type="datetime1">
               <a:rPr lang="en-US" smtClean="0"/>
-              <a:t>11/17/2019</a:t>
+              <a:t>11/18/2019</a:t>
             </a:fld>
             <a:endParaRPr lang="en-US"/>
           </a:p>
@@ -9226,7 +9226,7 @@
           <a:p>
             <a:fld id="{AA2AE1D7-DB29-43AA-919A-B2AB2DF4D94F}" type="datetime1">
               <a:rPr lang="en-US" smtClean="0"/>
-              <a:t>11/17/2019</a:t>
+              <a:t>11/18/2019</a:t>
             </a:fld>
             <a:endParaRPr lang="en-US"/>
           </a:p>
@@ -9475,7 +9475,7 @@
           <a:p>
             <a:fld id="{76AFCA23-363B-4372-8BE9-57EDC31C803E}" type="datetime1">
               <a:rPr lang="en-US" smtClean="0"/>
-              <a:t>11/17/2019</a:t>
+              <a:t>11/18/2019</a:t>
             </a:fld>
             <a:endParaRPr lang="en-US"/>
           </a:p>
@@ -9710,7 +9710,7 @@
           <a:p>
             <a:fld id="{C8ADB350-7B27-46F2-A210-54F712225291}" type="datetime1">
               <a:rPr lang="en-US" smtClean="0"/>
-              <a:t>11/17/2019</a:t>
+              <a:t>11/18/2019</a:t>
             </a:fld>
             <a:endParaRPr lang="en-US"/>
           </a:p>
@@ -10080,7 +10080,7 @@
           <a:p>
             <a:fld id="{334DCCBC-9F4A-4861-A431-1DE60F2B0D70}" type="datetime1">
               <a:rPr lang="en-US" smtClean="0"/>
-              <a:t>11/17/2019</a:t>
+              <a:t>11/18/2019</a:t>
             </a:fld>
             <a:endParaRPr lang="en-US"/>
           </a:p>
@@ -10201,7 +10201,7 @@
           <a:p>
             <a:fld id="{640C4C56-6ECB-4F99-8640-02DD953A43A4}" type="datetime1">
               <a:rPr lang="en-US" smtClean="0"/>
-              <a:t>11/17/2019</a:t>
+              <a:t>11/18/2019</a:t>
             </a:fld>
             <a:endParaRPr lang="en-US"/>
           </a:p>
@@ -10299,7 +10299,7 @@
           <a:p>
             <a:fld id="{D412131E-D2A8-4125-A2E8-5A57AC8EFFC8}" type="datetime1">
               <a:rPr lang="en-US" smtClean="0"/>
-              <a:t>11/17/2019</a:t>
+              <a:t>11/18/2019</a:t>
             </a:fld>
             <a:endParaRPr lang="en-US"/>
           </a:p>
@@ -10579,7 +10579,7 @@
           <a:p>
             <a:fld id="{1EB00F93-2E33-41E7-BC4A-6EAA14BED0BC}" type="datetime1">
               <a:rPr lang="en-US" smtClean="0"/>
-              <a:t>11/17/2019</a:t>
+              <a:t>11/18/2019</a:t>
             </a:fld>
             <a:endParaRPr lang="en-US"/>
           </a:p>
@@ -10839,7 +10839,7 @@
           <a:p>
             <a:fld id="{3A5ACE8B-8D34-48C6-A6A1-2C28E829084E}" type="datetime1">
               <a:rPr lang="en-US" smtClean="0"/>
-              <a:t>11/17/2019</a:t>
+              <a:t>11/18/2019</a:t>
             </a:fld>
             <a:endParaRPr lang="en-US"/>
           </a:p>
@@ -11055,7 +11055,7 @@
           <a:p>
             <a:fld id="{E1C5394E-B275-46F1-8BD2-F24178E2142E}" type="datetime1">
               <a:rPr lang="en-US" smtClean="0"/>
-              <a:t>11/17/2019</a:t>
+              <a:t>11/18/2019</a:t>
             </a:fld>
             <a:endParaRPr lang="en-US"/>
           </a:p>
